--- a/transformations.pptx
+++ b/transformations.pptx
@@ -114,6 +114,11 @@
       </a:defRPr>
     </a:lvl9pPr>
   </p:defaultTextStyle>
+  <p:extLst>
+    <p:ext uri="{EFAFB233-063F-42B5-8137-9DF3F51BA10A}">
+      <p15:sldGuideLst xmlns:p15="http://schemas.microsoft.com/office/powerpoint/2012/main"/>
+    </p:ext>
+  </p:extLst>
 </p:presentation>
 </file>
 
@@ -199,7 +204,7 @@
           <a:p>
             <a:fld id="{F54F2118-1863-224A-8C82-7B44B60C99F5}" type="datetimeFigureOut">
               <a:rPr lang="en-US" smtClean="0"/>
-              <a:t>8/15/18</a:t>
+              <a:t>8/24/18</a:t>
             </a:fld>
             <a:endParaRPr lang="en-US"/>
           </a:p>
@@ -263,38 +268,37 @@
           <a:p>
             <a:pPr lvl="0"/>
             <a:r>
-              <a:rPr lang="en-US" smtClean="0"/>
+              <a:rPr lang="en-US"/>
               <a:t>Click to edit Master text styles</a:t>
             </a:r>
           </a:p>
           <a:p>
             <a:pPr lvl="1"/>
             <a:r>
-              <a:rPr lang="en-US" smtClean="0"/>
+              <a:rPr lang="en-US"/>
               <a:t>Second level</a:t>
             </a:r>
           </a:p>
           <a:p>
             <a:pPr lvl="2"/>
             <a:r>
-              <a:rPr lang="en-US" smtClean="0"/>
+              <a:rPr lang="en-US"/>
               <a:t>Third level</a:t>
             </a:r>
           </a:p>
           <a:p>
             <a:pPr lvl="3"/>
             <a:r>
-              <a:rPr lang="en-US" smtClean="0"/>
+              <a:rPr lang="en-US"/>
               <a:t>Fourth level</a:t>
             </a:r>
           </a:p>
           <a:p>
             <a:pPr lvl="4"/>
             <a:r>
-              <a:rPr lang="en-US" smtClean="0"/>
+              <a:rPr lang="en-US"/>
               <a:t>Fifth level</a:t>
             </a:r>
-            <a:endParaRPr lang="en-US"/>
           </a:p>
         </p:txBody>
       </p:sp>
@@ -509,10 +513,9 @@
           </a:lstStyle>
           <a:p>
             <a:r>
-              <a:rPr lang="en-US" smtClean="0"/>
+              <a:rPr lang="en-US"/>
               <a:t>Click to edit Master title style</a:t>
             </a:r>
-            <a:endParaRPr lang="en-US"/>
           </a:p>
         </p:txBody>
       </p:sp>
@@ -574,10 +577,9 @@
           </a:lstStyle>
           <a:p>
             <a:r>
-              <a:rPr lang="en-US" smtClean="0"/>
+              <a:rPr lang="en-US"/>
               <a:t>Click to edit Master subtitle style</a:t>
             </a:r>
-            <a:endParaRPr lang="en-US"/>
           </a:p>
         </p:txBody>
       </p:sp>
@@ -598,7 +600,7 @@
           <a:p>
             <a:fld id="{483FF196-FB0F-6542-BEFD-637F5A4AADBB}" type="datetimeFigureOut">
               <a:rPr lang="en-US" smtClean="0"/>
-              <a:t>8/15/18</a:t>
+              <a:t>8/24/18</a:t>
             </a:fld>
             <a:endParaRPr lang="en-US"/>
           </a:p>
@@ -692,10 +694,9 @@
           <a:lstStyle/>
           <a:p>
             <a:r>
-              <a:rPr lang="en-US" smtClean="0"/>
+              <a:rPr lang="en-US"/>
               <a:t>Click to edit Master title style</a:t>
             </a:r>
-            <a:endParaRPr lang="en-US"/>
           </a:p>
         </p:txBody>
       </p:sp>
@@ -716,38 +717,37 @@
           <a:p>
             <a:pPr lvl="0"/>
             <a:r>
-              <a:rPr lang="en-US" smtClean="0"/>
+              <a:rPr lang="en-US"/>
               <a:t>Click to edit Master text styles</a:t>
             </a:r>
           </a:p>
           <a:p>
             <a:pPr lvl="1"/>
             <a:r>
-              <a:rPr lang="en-US" smtClean="0"/>
+              <a:rPr lang="en-US"/>
               <a:t>Second level</a:t>
             </a:r>
           </a:p>
           <a:p>
             <a:pPr lvl="2"/>
             <a:r>
-              <a:rPr lang="en-US" smtClean="0"/>
+              <a:rPr lang="en-US"/>
               <a:t>Third level</a:t>
             </a:r>
           </a:p>
           <a:p>
             <a:pPr lvl="3"/>
             <a:r>
-              <a:rPr lang="en-US" smtClean="0"/>
+              <a:rPr lang="en-US"/>
               <a:t>Fourth level</a:t>
             </a:r>
           </a:p>
           <a:p>
             <a:pPr lvl="4"/>
             <a:r>
-              <a:rPr lang="en-US" smtClean="0"/>
+              <a:rPr lang="en-US"/>
               <a:t>Fifth level</a:t>
             </a:r>
-            <a:endParaRPr lang="en-US"/>
           </a:p>
         </p:txBody>
       </p:sp>
@@ -768,7 +768,7 @@
           <a:p>
             <a:fld id="{483FF196-FB0F-6542-BEFD-637F5A4AADBB}" type="datetimeFigureOut">
               <a:rPr lang="en-US" smtClean="0"/>
-              <a:t>8/15/18</a:t>
+              <a:t>8/24/18</a:t>
             </a:fld>
             <a:endParaRPr lang="en-US"/>
           </a:p>
@@ -867,10 +867,9 @@
           <a:lstStyle/>
           <a:p>
             <a:r>
-              <a:rPr lang="en-US" smtClean="0"/>
+              <a:rPr lang="en-US"/>
               <a:t>Click to edit Master title style</a:t>
             </a:r>
-            <a:endParaRPr lang="en-US"/>
           </a:p>
         </p:txBody>
       </p:sp>
@@ -896,38 +895,37 @@
           <a:p>
             <a:pPr lvl="0"/>
             <a:r>
-              <a:rPr lang="en-US" smtClean="0"/>
+              <a:rPr lang="en-US"/>
               <a:t>Click to edit Master text styles</a:t>
             </a:r>
           </a:p>
           <a:p>
             <a:pPr lvl="1"/>
             <a:r>
-              <a:rPr lang="en-US" smtClean="0"/>
+              <a:rPr lang="en-US"/>
               <a:t>Second level</a:t>
             </a:r>
           </a:p>
           <a:p>
             <a:pPr lvl="2"/>
             <a:r>
-              <a:rPr lang="en-US" smtClean="0"/>
+              <a:rPr lang="en-US"/>
               <a:t>Third level</a:t>
             </a:r>
           </a:p>
           <a:p>
             <a:pPr lvl="3"/>
             <a:r>
-              <a:rPr lang="en-US" smtClean="0"/>
+              <a:rPr lang="en-US"/>
               <a:t>Fourth level</a:t>
             </a:r>
           </a:p>
           <a:p>
             <a:pPr lvl="4"/>
             <a:r>
-              <a:rPr lang="en-US" smtClean="0"/>
+              <a:rPr lang="en-US"/>
               <a:t>Fifth level</a:t>
             </a:r>
-            <a:endParaRPr lang="en-US"/>
           </a:p>
         </p:txBody>
       </p:sp>
@@ -948,7 +946,7 @@
           <a:p>
             <a:fld id="{483FF196-FB0F-6542-BEFD-637F5A4AADBB}" type="datetimeFigureOut">
               <a:rPr lang="en-US" smtClean="0"/>
-              <a:t>8/15/18</a:t>
+              <a:t>8/24/18</a:t>
             </a:fld>
             <a:endParaRPr lang="en-US"/>
           </a:p>
@@ -1042,10 +1040,9 @@
           <a:lstStyle/>
           <a:p>
             <a:r>
-              <a:rPr lang="en-US" smtClean="0"/>
+              <a:rPr lang="en-US"/>
               <a:t>Click to edit Master title style</a:t>
             </a:r>
-            <a:endParaRPr lang="en-US"/>
           </a:p>
         </p:txBody>
       </p:sp>
@@ -1066,38 +1063,37 @@
           <a:p>
             <a:pPr lvl="0"/>
             <a:r>
-              <a:rPr lang="en-US" smtClean="0"/>
+              <a:rPr lang="en-US"/>
               <a:t>Click to edit Master text styles</a:t>
             </a:r>
           </a:p>
           <a:p>
             <a:pPr lvl="1"/>
             <a:r>
-              <a:rPr lang="en-US" smtClean="0"/>
+              <a:rPr lang="en-US"/>
               <a:t>Second level</a:t>
             </a:r>
           </a:p>
           <a:p>
             <a:pPr lvl="2"/>
             <a:r>
-              <a:rPr lang="en-US" smtClean="0"/>
+              <a:rPr lang="en-US"/>
               <a:t>Third level</a:t>
             </a:r>
           </a:p>
           <a:p>
             <a:pPr lvl="3"/>
             <a:r>
-              <a:rPr lang="en-US" smtClean="0"/>
+              <a:rPr lang="en-US"/>
               <a:t>Fourth level</a:t>
             </a:r>
           </a:p>
           <a:p>
             <a:pPr lvl="4"/>
             <a:r>
-              <a:rPr lang="en-US" smtClean="0"/>
+              <a:rPr lang="en-US"/>
               <a:t>Fifth level</a:t>
             </a:r>
-            <a:endParaRPr lang="en-US"/>
           </a:p>
         </p:txBody>
       </p:sp>
@@ -1118,7 +1114,7 @@
           <a:p>
             <a:fld id="{483FF196-FB0F-6542-BEFD-637F5A4AADBB}" type="datetimeFigureOut">
               <a:rPr lang="en-US" smtClean="0"/>
-              <a:t>8/15/18</a:t>
+              <a:t>8/24/18</a:t>
             </a:fld>
             <a:endParaRPr lang="en-US"/>
           </a:p>
@@ -1221,10 +1217,9 @@
           </a:lstStyle>
           <a:p>
             <a:r>
-              <a:rPr lang="en-US" smtClean="0"/>
+              <a:rPr lang="en-US"/>
               <a:t>Click to edit Master title style</a:t>
             </a:r>
-            <a:endParaRPr lang="en-US"/>
           </a:p>
         </p:txBody>
       </p:sp>
@@ -1341,7 +1336,7 @@
           <a:p>
             <a:pPr lvl="0"/>
             <a:r>
-              <a:rPr lang="en-US" smtClean="0"/>
+              <a:rPr lang="en-US"/>
               <a:t>Click to edit Master text styles</a:t>
             </a:r>
           </a:p>
@@ -1364,7 +1359,7 @@
           <a:p>
             <a:fld id="{483FF196-FB0F-6542-BEFD-637F5A4AADBB}" type="datetimeFigureOut">
               <a:rPr lang="en-US" smtClean="0"/>
-              <a:t>8/15/18</a:t>
+              <a:t>8/24/18</a:t>
             </a:fld>
             <a:endParaRPr lang="en-US"/>
           </a:p>
@@ -1458,10 +1453,9 @@
           <a:lstStyle/>
           <a:p>
             <a:r>
-              <a:rPr lang="en-US" smtClean="0"/>
+              <a:rPr lang="en-US"/>
               <a:t>Click to edit Master title style</a:t>
             </a:r>
-            <a:endParaRPr lang="en-US"/>
           </a:p>
         </p:txBody>
       </p:sp>
@@ -1487,38 +1481,37 @@
           <a:p>
             <a:pPr lvl="0"/>
             <a:r>
-              <a:rPr lang="en-US" smtClean="0"/>
+              <a:rPr lang="en-US"/>
               <a:t>Click to edit Master text styles</a:t>
             </a:r>
           </a:p>
           <a:p>
             <a:pPr lvl="1"/>
             <a:r>
-              <a:rPr lang="en-US" smtClean="0"/>
+              <a:rPr lang="en-US"/>
               <a:t>Second level</a:t>
             </a:r>
           </a:p>
           <a:p>
             <a:pPr lvl="2"/>
             <a:r>
-              <a:rPr lang="en-US" smtClean="0"/>
+              <a:rPr lang="en-US"/>
               <a:t>Third level</a:t>
             </a:r>
           </a:p>
           <a:p>
             <a:pPr lvl="3"/>
             <a:r>
-              <a:rPr lang="en-US" smtClean="0"/>
+              <a:rPr lang="en-US"/>
               <a:t>Fourth level</a:t>
             </a:r>
           </a:p>
           <a:p>
             <a:pPr lvl="4"/>
             <a:r>
-              <a:rPr lang="en-US" smtClean="0"/>
+              <a:rPr lang="en-US"/>
               <a:t>Fifth level</a:t>
             </a:r>
-            <a:endParaRPr lang="en-US"/>
           </a:p>
         </p:txBody>
       </p:sp>
@@ -1544,38 +1537,37 @@
           <a:p>
             <a:pPr lvl="0"/>
             <a:r>
-              <a:rPr lang="en-US" smtClean="0"/>
+              <a:rPr lang="en-US"/>
               <a:t>Click to edit Master text styles</a:t>
             </a:r>
           </a:p>
           <a:p>
             <a:pPr lvl="1"/>
             <a:r>
-              <a:rPr lang="en-US" smtClean="0"/>
+              <a:rPr lang="en-US"/>
               <a:t>Second level</a:t>
             </a:r>
           </a:p>
           <a:p>
             <a:pPr lvl="2"/>
             <a:r>
-              <a:rPr lang="en-US" smtClean="0"/>
+              <a:rPr lang="en-US"/>
               <a:t>Third level</a:t>
             </a:r>
           </a:p>
           <a:p>
             <a:pPr lvl="3"/>
             <a:r>
-              <a:rPr lang="en-US" smtClean="0"/>
+              <a:rPr lang="en-US"/>
               <a:t>Fourth level</a:t>
             </a:r>
           </a:p>
           <a:p>
             <a:pPr lvl="4"/>
             <a:r>
-              <a:rPr lang="en-US" smtClean="0"/>
+              <a:rPr lang="en-US"/>
               <a:t>Fifth level</a:t>
             </a:r>
-            <a:endParaRPr lang="en-US"/>
           </a:p>
         </p:txBody>
       </p:sp>
@@ -1596,7 +1588,7 @@
           <a:p>
             <a:fld id="{483FF196-FB0F-6542-BEFD-637F5A4AADBB}" type="datetimeFigureOut">
               <a:rPr lang="en-US" smtClean="0"/>
-              <a:t>8/15/18</a:t>
+              <a:t>8/24/18</a:t>
             </a:fld>
             <a:endParaRPr lang="en-US"/>
           </a:p>
@@ -1695,10 +1687,9 @@
           <a:lstStyle/>
           <a:p>
             <a:r>
-              <a:rPr lang="en-US" smtClean="0"/>
+              <a:rPr lang="en-US"/>
               <a:t>Click to edit Master title style</a:t>
             </a:r>
-            <a:endParaRPr lang="en-US"/>
           </a:p>
         </p:txBody>
       </p:sp>
@@ -1761,7 +1752,7 @@
           <a:p>
             <a:pPr lvl="0"/>
             <a:r>
-              <a:rPr lang="en-US" smtClean="0"/>
+              <a:rPr lang="en-US"/>
               <a:t>Click to edit Master text styles</a:t>
             </a:r>
           </a:p>
@@ -1789,38 +1780,37 @@
           <a:p>
             <a:pPr lvl="0"/>
             <a:r>
-              <a:rPr lang="en-US" smtClean="0"/>
+              <a:rPr lang="en-US"/>
               <a:t>Click to edit Master text styles</a:t>
             </a:r>
           </a:p>
           <a:p>
             <a:pPr lvl="1"/>
             <a:r>
-              <a:rPr lang="en-US" smtClean="0"/>
+              <a:rPr lang="en-US"/>
               <a:t>Second level</a:t>
             </a:r>
           </a:p>
           <a:p>
             <a:pPr lvl="2"/>
             <a:r>
-              <a:rPr lang="en-US" smtClean="0"/>
+              <a:rPr lang="en-US"/>
               <a:t>Third level</a:t>
             </a:r>
           </a:p>
           <a:p>
             <a:pPr lvl="3"/>
             <a:r>
-              <a:rPr lang="en-US" smtClean="0"/>
+              <a:rPr lang="en-US"/>
               <a:t>Fourth level</a:t>
             </a:r>
           </a:p>
           <a:p>
             <a:pPr lvl="4"/>
             <a:r>
-              <a:rPr lang="en-US" smtClean="0"/>
+              <a:rPr lang="en-US"/>
               <a:t>Fifth level</a:t>
             </a:r>
-            <a:endParaRPr lang="en-US"/>
           </a:p>
         </p:txBody>
       </p:sp>
@@ -1883,7 +1873,7 @@
           <a:p>
             <a:pPr lvl="0"/>
             <a:r>
-              <a:rPr lang="en-US" smtClean="0"/>
+              <a:rPr lang="en-US"/>
               <a:t>Click to edit Master text styles</a:t>
             </a:r>
           </a:p>
@@ -1911,38 +1901,37 @@
           <a:p>
             <a:pPr lvl="0"/>
             <a:r>
-              <a:rPr lang="en-US" smtClean="0"/>
+              <a:rPr lang="en-US"/>
               <a:t>Click to edit Master text styles</a:t>
             </a:r>
           </a:p>
           <a:p>
             <a:pPr lvl="1"/>
             <a:r>
-              <a:rPr lang="en-US" smtClean="0"/>
+              <a:rPr lang="en-US"/>
               <a:t>Second level</a:t>
             </a:r>
           </a:p>
           <a:p>
             <a:pPr lvl="2"/>
             <a:r>
-              <a:rPr lang="en-US" smtClean="0"/>
+              <a:rPr lang="en-US"/>
               <a:t>Third level</a:t>
             </a:r>
           </a:p>
           <a:p>
             <a:pPr lvl="3"/>
             <a:r>
-              <a:rPr lang="en-US" smtClean="0"/>
+              <a:rPr lang="en-US"/>
               <a:t>Fourth level</a:t>
             </a:r>
           </a:p>
           <a:p>
             <a:pPr lvl="4"/>
             <a:r>
-              <a:rPr lang="en-US" smtClean="0"/>
+              <a:rPr lang="en-US"/>
               <a:t>Fifth level</a:t>
             </a:r>
-            <a:endParaRPr lang="en-US"/>
           </a:p>
         </p:txBody>
       </p:sp>
@@ -1963,7 +1952,7 @@
           <a:p>
             <a:fld id="{483FF196-FB0F-6542-BEFD-637F5A4AADBB}" type="datetimeFigureOut">
               <a:rPr lang="en-US" smtClean="0"/>
-              <a:t>8/15/18</a:t>
+              <a:t>8/24/18</a:t>
             </a:fld>
             <a:endParaRPr lang="en-US"/>
           </a:p>
@@ -2057,10 +2046,9 @@
           <a:lstStyle/>
           <a:p>
             <a:r>
-              <a:rPr lang="en-US" smtClean="0"/>
+              <a:rPr lang="en-US"/>
               <a:t>Click to edit Master title style</a:t>
             </a:r>
-            <a:endParaRPr lang="en-US"/>
           </a:p>
         </p:txBody>
       </p:sp>
@@ -2081,7 +2069,7 @@
           <a:p>
             <a:fld id="{483FF196-FB0F-6542-BEFD-637F5A4AADBB}" type="datetimeFigureOut">
               <a:rPr lang="en-US" smtClean="0"/>
-              <a:t>8/15/18</a:t>
+              <a:t>8/24/18</a:t>
             </a:fld>
             <a:endParaRPr lang="en-US"/>
           </a:p>
@@ -2176,7 +2164,7 @@
           <a:p>
             <a:fld id="{483FF196-FB0F-6542-BEFD-637F5A4AADBB}" type="datetimeFigureOut">
               <a:rPr lang="en-US" smtClean="0"/>
-              <a:t>8/15/18</a:t>
+              <a:t>8/24/18</a:t>
             </a:fld>
             <a:endParaRPr lang="en-US"/>
           </a:p>
@@ -2279,10 +2267,9 @@
           </a:lstStyle>
           <a:p>
             <a:r>
-              <a:rPr lang="en-US" smtClean="0"/>
+              <a:rPr lang="en-US"/>
               <a:t>Click to edit Master title style</a:t>
             </a:r>
-            <a:endParaRPr lang="en-US"/>
           </a:p>
         </p:txBody>
       </p:sp>
@@ -2336,38 +2323,37 @@
           <a:p>
             <a:pPr lvl="0"/>
             <a:r>
-              <a:rPr lang="en-US" smtClean="0"/>
+              <a:rPr lang="en-US"/>
               <a:t>Click to edit Master text styles</a:t>
             </a:r>
           </a:p>
           <a:p>
             <a:pPr lvl="1"/>
             <a:r>
-              <a:rPr lang="en-US" smtClean="0"/>
+              <a:rPr lang="en-US"/>
               <a:t>Second level</a:t>
             </a:r>
           </a:p>
           <a:p>
             <a:pPr lvl="2"/>
             <a:r>
-              <a:rPr lang="en-US" smtClean="0"/>
+              <a:rPr lang="en-US"/>
               <a:t>Third level</a:t>
             </a:r>
           </a:p>
           <a:p>
             <a:pPr lvl="3"/>
             <a:r>
-              <a:rPr lang="en-US" smtClean="0"/>
+              <a:rPr lang="en-US"/>
               <a:t>Fourth level</a:t>
             </a:r>
           </a:p>
           <a:p>
             <a:pPr lvl="4"/>
             <a:r>
-              <a:rPr lang="en-US" smtClean="0"/>
+              <a:rPr lang="en-US"/>
               <a:t>Fifth level</a:t>
             </a:r>
-            <a:endParaRPr lang="en-US"/>
           </a:p>
         </p:txBody>
       </p:sp>
@@ -2430,7 +2416,7 @@
           <a:p>
             <a:pPr lvl="0"/>
             <a:r>
-              <a:rPr lang="en-US" smtClean="0"/>
+              <a:rPr lang="en-US"/>
               <a:t>Click to edit Master text styles</a:t>
             </a:r>
           </a:p>
@@ -2453,7 +2439,7 @@
           <a:p>
             <a:fld id="{483FF196-FB0F-6542-BEFD-637F5A4AADBB}" type="datetimeFigureOut">
               <a:rPr lang="en-US" smtClean="0"/>
-              <a:t>8/15/18</a:t>
+              <a:t>8/24/18</a:t>
             </a:fld>
             <a:endParaRPr lang="en-US"/>
           </a:p>
@@ -2556,10 +2542,9 @@
           </a:lstStyle>
           <a:p>
             <a:r>
-              <a:rPr lang="en-US" smtClean="0"/>
+              <a:rPr lang="en-US"/>
               <a:t>Click to edit Master title style</a:t>
             </a:r>
-            <a:endParaRPr lang="en-US"/>
           </a:p>
         </p:txBody>
       </p:sp>
@@ -2683,7 +2668,7 @@
           <a:p>
             <a:pPr lvl="0"/>
             <a:r>
-              <a:rPr lang="en-US" smtClean="0"/>
+              <a:rPr lang="en-US"/>
               <a:t>Click to edit Master text styles</a:t>
             </a:r>
           </a:p>
@@ -2706,7 +2691,7 @@
           <a:p>
             <a:fld id="{483FF196-FB0F-6542-BEFD-637F5A4AADBB}" type="datetimeFigureOut">
               <a:rPr lang="en-US" smtClean="0"/>
-              <a:t>8/15/18</a:t>
+              <a:t>8/24/18</a:t>
             </a:fld>
             <a:endParaRPr lang="en-US"/>
           </a:p>
@@ -2815,10 +2800,9 @@
           <a:lstStyle/>
           <a:p>
             <a:r>
-              <a:rPr lang="en-US" smtClean="0"/>
+              <a:rPr lang="en-US"/>
               <a:t>Click to edit Master title style</a:t>
             </a:r>
-            <a:endParaRPr lang="en-US"/>
           </a:p>
         </p:txBody>
       </p:sp>
@@ -2849,38 +2833,37 @@
           <a:p>
             <a:pPr lvl="0"/>
             <a:r>
-              <a:rPr lang="en-US" smtClean="0"/>
+              <a:rPr lang="en-US"/>
               <a:t>Click to edit Master text styles</a:t>
             </a:r>
           </a:p>
           <a:p>
             <a:pPr lvl="1"/>
             <a:r>
-              <a:rPr lang="en-US" smtClean="0"/>
+              <a:rPr lang="en-US"/>
               <a:t>Second level</a:t>
             </a:r>
           </a:p>
           <a:p>
             <a:pPr lvl="2"/>
             <a:r>
-              <a:rPr lang="en-US" smtClean="0"/>
+              <a:rPr lang="en-US"/>
               <a:t>Third level</a:t>
             </a:r>
           </a:p>
           <a:p>
             <a:pPr lvl="3"/>
             <a:r>
-              <a:rPr lang="en-US" smtClean="0"/>
+              <a:rPr lang="en-US"/>
               <a:t>Fourth level</a:t>
             </a:r>
           </a:p>
           <a:p>
             <a:pPr lvl="4"/>
             <a:r>
-              <a:rPr lang="en-US" smtClean="0"/>
+              <a:rPr lang="en-US"/>
               <a:t>Fifth level</a:t>
             </a:r>
-            <a:endParaRPr lang="en-US"/>
           </a:p>
         </p:txBody>
       </p:sp>
@@ -2919,7 +2902,7 @@
           <a:p>
             <a:fld id="{483FF196-FB0F-6542-BEFD-637F5A4AADBB}" type="datetimeFigureOut">
               <a:rPr lang="en-US" smtClean="0"/>
-              <a:t>8/15/18</a:t>
+              <a:t>8/24/18</a:t>
             </a:fld>
             <a:endParaRPr lang="en-US"/>
           </a:p>
@@ -3347,10 +3330,9 @@
           <a:lstStyle/>
           <a:p>
             <a:r>
-              <a:rPr lang="en-US" sz="2400" b="1" dirty="0" smtClean="0"/>
+              <a:rPr lang="en-US" sz="2400" b="1" dirty="0"/>
               <a:t>Paired (quantitative)</a:t>
             </a:r>
-            <a:endParaRPr lang="en-US" sz="2400" b="1" dirty="0"/>
           </a:p>
         </p:txBody>
       </p:sp>
@@ -3377,7 +3359,7 @@
           <a:lstStyle/>
           <a:p>
             <a:r>
-              <a:rPr lang="en-US" dirty="0" smtClean="0"/>
+              <a:rPr lang="en-US" dirty="0"/>
               <a:t>Idea: </a:t>
             </a:r>
           </a:p>
@@ -3387,7 +3369,7 @@
               <a:buChar char="•"/>
             </a:pPr>
             <a:r>
-              <a:rPr lang="en-US" dirty="0" smtClean="0"/>
+              <a:rPr lang="en-US" dirty="0"/>
               <a:t>Two time points (or matched groups)</a:t>
             </a:r>
           </a:p>
@@ -3397,10 +3379,9 @@
               <a:buChar char="•"/>
             </a:pPr>
             <a:r>
-              <a:rPr lang="en-US" dirty="0" smtClean="0"/>
+              <a:rPr lang="en-US" dirty="0"/>
               <a:t>Direction of change matters</a:t>
             </a:r>
-            <a:endParaRPr lang="en-US" dirty="0"/>
           </a:p>
         </p:txBody>
       </p:sp>
@@ -3636,7 +3617,7 @@
         </p:nvSpPr>
         <p:spPr>
           <a:xfrm rot="5400000">
-            <a:off x="3685521" y="3543558"/>
+            <a:off x="3670773" y="3543558"/>
             <a:ext cx="347472" cy="1828800"/>
           </a:xfrm>
           <a:prstGeom prst="rect">
@@ -3728,7 +3709,7 @@
         </p:nvSpPr>
         <p:spPr>
           <a:xfrm rot="5400000">
-            <a:off x="7803626" y="3543558"/>
+            <a:off x="7788878" y="3543558"/>
             <a:ext cx="342901" cy="1828800"/>
           </a:xfrm>
           <a:prstGeom prst="rect">
@@ -3774,7 +3755,7 @@
         </p:nvSpPr>
         <p:spPr>
           <a:xfrm rot="5400000">
-            <a:off x="9632427" y="3543558"/>
+            <a:off x="9617679" y="3543558"/>
             <a:ext cx="342901" cy="1828800"/>
           </a:xfrm>
           <a:prstGeom prst="rect">
@@ -3838,7 +3819,7 @@
           <a:lstStyle/>
           <a:p>
             <a:r>
-              <a:rPr lang="en-US" smtClean="0"/>
+              <a:rPr lang="en-US"/>
               <a:t>0.2</a:t>
             </a:r>
             <a:endParaRPr lang="en-US" dirty="0"/>
@@ -3871,10 +3852,9 @@
           <a:lstStyle/>
           <a:p>
             <a:r>
-              <a:rPr lang="en-US" dirty="0" smtClean="0"/>
+              <a:rPr lang="en-US" dirty="0"/>
               <a:t>0.35</a:t>
             </a:r>
-            <a:endParaRPr lang="en-US" dirty="0"/>
           </a:p>
         </p:txBody>
       </p:sp>
@@ -3904,7 +3884,7 @@
           <a:lstStyle/>
           <a:p>
             <a:r>
-              <a:rPr lang="en-US" smtClean="0"/>
+              <a:rPr lang="en-US"/>
               <a:t>0.15</a:t>
             </a:r>
             <a:endParaRPr lang="en-US" dirty="0"/>
@@ -3937,7 +3917,7 @@
           <a:lstStyle/>
           <a:p>
             <a:r>
-              <a:rPr lang="en-US" smtClean="0"/>
+              <a:rPr lang="en-US"/>
               <a:t>0.2</a:t>
             </a:r>
           </a:p>
@@ -3969,7 +3949,7 @@
           <a:lstStyle/>
           <a:p>
             <a:r>
-              <a:rPr lang="en-US" smtClean="0"/>
+              <a:rPr lang="en-US"/>
               <a:t>0.15</a:t>
             </a:r>
             <a:endParaRPr lang="en-US" dirty="0"/>
@@ -4002,7 +3982,7 @@
           <a:lstStyle/>
           <a:p>
             <a:r>
-              <a:rPr lang="en-US" smtClean="0"/>
+              <a:rPr lang="en-US"/>
               <a:t>0.2</a:t>
             </a:r>
           </a:p>
@@ -4034,10 +4014,9 @@
           <a:lstStyle/>
           <a:p>
             <a:r>
-              <a:rPr lang="en-US" dirty="0" smtClean="0"/>
+              <a:rPr lang="en-US" dirty="0"/>
               <a:t>0.25</a:t>
             </a:r>
-            <a:endParaRPr lang="en-US" dirty="0"/>
           </a:p>
         </p:txBody>
       </p:sp>
@@ -4067,10 +4046,9 @@
           <a:lstStyle/>
           <a:p>
             <a:r>
-              <a:rPr lang="en-US" dirty="0" smtClean="0"/>
+              <a:rPr lang="en-US" dirty="0"/>
               <a:t>0.2</a:t>
             </a:r>
-            <a:endParaRPr lang="en-US" dirty="0"/>
           </a:p>
         </p:txBody>
       </p:sp>
@@ -4100,7 +4078,7 @@
           <a:lstStyle/>
           <a:p>
             <a:r>
-              <a:rPr lang="en-US" dirty="0" smtClean="0"/>
+              <a:rPr lang="en-US" dirty="0"/>
               <a:t>0.2</a:t>
             </a:r>
           </a:p>
@@ -4178,7 +4156,7 @@
           <a:lstStyle/>
           <a:p>
             <a:r>
-              <a:rPr lang="en-US" smtClean="0"/>
+              <a:rPr lang="en-US"/>
               <a:t>0.1</a:t>
             </a:r>
           </a:p>
@@ -4192,7 +4170,7 @@
         </p:nvCxnSpPr>
         <p:spPr>
           <a:xfrm flipH="1">
-            <a:off x="1567206" y="3123944"/>
+            <a:off x="1581954" y="3123944"/>
             <a:ext cx="3346" cy="1162563"/>
           </a:xfrm>
           <a:prstGeom prst="line">
@@ -4282,7 +4260,7 @@
         </p:nvCxnSpPr>
         <p:spPr>
           <a:xfrm flipH="1">
-            <a:off x="7067628" y="3113585"/>
+            <a:off x="7067628" y="3128333"/>
             <a:ext cx="447544" cy="1136538"/>
           </a:xfrm>
           <a:prstGeom prst="line">
@@ -4312,7 +4290,7 @@
         </p:nvCxnSpPr>
         <p:spPr>
           <a:xfrm>
-            <a:off x="10707677" y="3123944"/>
+            <a:off x="10692929" y="3123944"/>
             <a:ext cx="0" cy="1149348"/>
           </a:xfrm>
           <a:prstGeom prst="line">
@@ -4357,7 +4335,7 @@
           <a:lstStyle/>
           <a:p>
             <a:r>
-              <a:rPr lang="en-US" smtClean="0"/>
+              <a:rPr lang="en-US"/>
               <a:t>-0.05</a:t>
             </a:r>
             <a:endParaRPr lang="en-US" dirty="0"/>
@@ -4387,7 +4365,7 @@
           <a:lstStyle/>
           <a:p>
             <a:r>
-              <a:rPr lang="en-US" smtClean="0"/>
+              <a:rPr lang="en-US"/>
               <a:t>0.1</a:t>
             </a:r>
             <a:endParaRPr lang="en-US" dirty="0"/>
@@ -4417,10 +4395,9 @@
           <a:lstStyle/>
           <a:p>
             <a:r>
-              <a:rPr lang="en-US" dirty="0" smtClean="0"/>
+              <a:rPr lang="en-US" dirty="0"/>
               <a:t>-0.1</a:t>
             </a:r>
-            <a:endParaRPr lang="en-US" dirty="0"/>
           </a:p>
         </p:txBody>
       </p:sp>
@@ -4447,10 +4424,9 @@
           <a:lstStyle/>
           <a:p>
             <a:r>
-              <a:rPr lang="en-US" dirty="0" smtClean="0"/>
+              <a:rPr lang="en-US" dirty="0"/>
               <a:t>0.05</a:t>
             </a:r>
-            <a:endParaRPr lang="en-US" dirty="0"/>
           </a:p>
         </p:txBody>
       </p:sp>
@@ -4507,10 +4483,9 @@
           <a:lstStyle/>
           <a:p>
             <a:r>
-              <a:rPr lang="en-US" dirty="0" smtClean="0"/>
+              <a:rPr lang="en-US" dirty="0"/>
               <a:t>0</a:t>
             </a:r>
-            <a:endParaRPr lang="en-US" dirty="0"/>
           </a:p>
         </p:txBody>
       </p:sp>
@@ -4567,10 +4542,9 @@
           <a:lstStyle/>
           <a:p>
             <a:r>
-              <a:rPr lang="en-US" sz="2400" b="1" dirty="0" smtClean="0"/>
+              <a:rPr lang="en-US" sz="2400" b="1" dirty="0"/>
               <a:t>Paired (quantitative)</a:t>
             </a:r>
-            <a:endParaRPr lang="en-US" sz="2400" b="1" dirty="0"/>
           </a:p>
         </p:txBody>
       </p:sp>
@@ -4597,7 +4571,7 @@
           <a:lstStyle/>
           <a:p>
             <a:r>
-              <a:rPr lang="en-US" dirty="0" smtClean="0"/>
+              <a:rPr lang="en-US" dirty="0"/>
               <a:t>Idea: </a:t>
             </a:r>
           </a:p>
@@ -4607,7 +4581,7 @@
               <a:buChar char="•"/>
             </a:pPr>
             <a:r>
-              <a:rPr lang="en-US" dirty="0" smtClean="0"/>
+              <a:rPr lang="en-US" dirty="0"/>
               <a:t>Two time points (or matched groups)</a:t>
             </a:r>
           </a:p>
@@ -4617,7 +4591,7 @@
               <a:buChar char="•"/>
             </a:pPr>
             <a:r>
-              <a:rPr lang="en-US" dirty="0" smtClean="0"/>
+              <a:rPr lang="en-US" dirty="0"/>
               <a:t>Direction of change matters</a:t>
             </a:r>
           </a:p>
@@ -4627,14 +4601,13 @@
               <a:buChar char="•"/>
             </a:pPr>
             <a:r>
-              <a:rPr lang="mr-IN" dirty="0" smtClean="0"/>
+              <a:rPr lang="mr-IN" dirty="0"/>
               <a:t>…</a:t>
             </a:r>
             <a:r>
-              <a:rPr lang="en-US" dirty="0" smtClean="0"/>
+              <a:rPr lang="en-US" dirty="0"/>
               <a:t> and normalize by average taxon abundance, so that it’s a relative measure of change</a:t>
             </a:r>
-            <a:endParaRPr lang="en-US" dirty="0"/>
           </a:p>
         </p:txBody>
       </p:sp>
@@ -4870,7 +4843,7 @@
         </p:nvSpPr>
         <p:spPr>
           <a:xfrm rot="5400000">
-            <a:off x="3685521" y="3543558"/>
+            <a:off x="3670773" y="3543558"/>
             <a:ext cx="347472" cy="1828800"/>
           </a:xfrm>
           <a:prstGeom prst="rect">
@@ -4962,7 +4935,7 @@
         </p:nvSpPr>
         <p:spPr>
           <a:xfrm rot="5400000">
-            <a:off x="7803626" y="3543558"/>
+            <a:off x="7788878" y="3543558"/>
             <a:ext cx="342901" cy="1828800"/>
           </a:xfrm>
           <a:prstGeom prst="rect">
@@ -5008,7 +4981,7 @@
         </p:nvSpPr>
         <p:spPr>
           <a:xfrm rot="5400000">
-            <a:off x="9632427" y="3543558"/>
+            <a:off x="9617679" y="3543558"/>
             <a:ext cx="342901" cy="1828800"/>
           </a:xfrm>
           <a:prstGeom prst="rect">
@@ -5072,7 +5045,7 @@
           <a:lstStyle/>
           <a:p>
             <a:r>
-              <a:rPr lang="en-US" smtClean="0"/>
+              <a:rPr lang="en-US"/>
               <a:t>0.2</a:t>
             </a:r>
             <a:endParaRPr lang="en-US" dirty="0"/>
@@ -5105,10 +5078,9 @@
           <a:lstStyle/>
           <a:p>
             <a:r>
-              <a:rPr lang="en-US" dirty="0" smtClean="0"/>
+              <a:rPr lang="en-US" dirty="0"/>
               <a:t>0.35</a:t>
             </a:r>
-            <a:endParaRPr lang="en-US" dirty="0"/>
           </a:p>
         </p:txBody>
       </p:sp>
@@ -5138,7 +5110,7 @@
           <a:lstStyle/>
           <a:p>
             <a:r>
-              <a:rPr lang="en-US" smtClean="0"/>
+              <a:rPr lang="en-US"/>
               <a:t>0.15</a:t>
             </a:r>
             <a:endParaRPr lang="en-US" dirty="0"/>
@@ -5171,7 +5143,7 @@
           <a:lstStyle/>
           <a:p>
             <a:r>
-              <a:rPr lang="en-US" smtClean="0"/>
+              <a:rPr lang="en-US"/>
               <a:t>0.2</a:t>
             </a:r>
           </a:p>
@@ -5203,7 +5175,7 @@
           <a:lstStyle/>
           <a:p>
             <a:r>
-              <a:rPr lang="en-US" smtClean="0"/>
+              <a:rPr lang="en-US"/>
               <a:t>0.15</a:t>
             </a:r>
             <a:endParaRPr lang="en-US" dirty="0"/>
@@ -5236,7 +5208,7 @@
           <a:lstStyle/>
           <a:p>
             <a:r>
-              <a:rPr lang="en-US" smtClean="0"/>
+              <a:rPr lang="en-US"/>
               <a:t>0.2</a:t>
             </a:r>
           </a:p>
@@ -5268,10 +5240,9 @@
           <a:lstStyle/>
           <a:p>
             <a:r>
-              <a:rPr lang="en-US" dirty="0" smtClean="0"/>
+              <a:rPr lang="en-US" dirty="0"/>
               <a:t>0.25</a:t>
             </a:r>
-            <a:endParaRPr lang="en-US" dirty="0"/>
           </a:p>
         </p:txBody>
       </p:sp>
@@ -5301,10 +5272,9 @@
           <a:lstStyle/>
           <a:p>
             <a:r>
-              <a:rPr lang="en-US" dirty="0" smtClean="0"/>
+              <a:rPr lang="en-US" dirty="0"/>
               <a:t>0.2</a:t>
             </a:r>
-            <a:endParaRPr lang="en-US" dirty="0"/>
           </a:p>
         </p:txBody>
       </p:sp>
@@ -5334,7 +5304,7 @@
           <a:lstStyle/>
           <a:p>
             <a:r>
-              <a:rPr lang="en-US" dirty="0" smtClean="0"/>
+              <a:rPr lang="en-US" dirty="0"/>
               <a:t>0.2</a:t>
             </a:r>
           </a:p>
@@ -5412,7 +5382,7 @@
           <a:lstStyle/>
           <a:p>
             <a:r>
-              <a:rPr lang="en-US" smtClean="0"/>
+              <a:rPr lang="en-US"/>
               <a:t>0.1</a:t>
             </a:r>
           </a:p>
@@ -5426,7 +5396,7 @@
         </p:nvCxnSpPr>
         <p:spPr>
           <a:xfrm flipH="1">
-            <a:off x="1567206" y="3118765"/>
+            <a:off x="1581954" y="3118765"/>
             <a:ext cx="3346" cy="1162563"/>
           </a:xfrm>
           <a:prstGeom prst="line">
@@ -5568,8 +5538,8 @@
           </a:fontRef>
         </p:style>
       </p:cxnSp>
-      <mc:AlternateContent xmlns:mc="http://schemas.openxmlformats.org/markup-compatibility/2006">
-        <mc:Choice xmlns:a14="http://schemas.microsoft.com/office/drawing/2010/main" Requires="a14">
+      <mc:AlternateContent xmlns:mc="http://schemas.openxmlformats.org/markup-compatibility/2006" xmlns:a14="http://schemas.microsoft.com/office/drawing/2010/main">
+        <mc:Choice Requires="a14">
           <p:sp>
             <p:nvSpPr>
               <p:cNvPr id="42" name="TextBox 41"/>
@@ -5592,6 +5562,7 @@
               </a:bodyPr>
               <a:lstStyle/>
               <a:p>
+                <a:pPr/>
                 <a14:m>
                   <m:oMathPara xmlns:m="http://schemas.openxmlformats.org/officeDocument/2006/math">
                     <m:oMathParaPr>
@@ -5602,7 +5573,7 @@
                         <m:fPr>
                           <m:ctrlPr>
                             <a:rPr lang="en-US" sz="1400" b="0" i="1" smtClean="0">
-                              <a:latin typeface="Cambria Math" charset="0"/>
+                              <a:latin typeface="Cambria Math" panose="02040503050406030204" pitchFamily="18" charset="0"/>
                             </a:rPr>
                           </m:ctrlPr>
                         </m:fPr>
@@ -5631,7 +5602,7 @@
             </p:txBody>
           </p:sp>
         </mc:Choice>
-        <mc:Fallback>
+        <mc:Fallback xmlns="">
           <p:sp>
             <p:nvSpPr>
               <p:cNvPr id="42" name="TextBox 41"/>
@@ -5723,15 +5694,14 @@
           <a:lstStyle/>
           <a:p>
             <a:r>
-              <a:rPr lang="en-US" dirty="0" smtClean="0"/>
+              <a:rPr lang="en-US" dirty="0"/>
               <a:t>0</a:t>
             </a:r>
-            <a:endParaRPr lang="en-US" dirty="0"/>
-          </a:p>
-        </p:txBody>
-      </p:sp>
-      <mc:AlternateContent xmlns:mc="http://schemas.openxmlformats.org/markup-compatibility/2006">
-        <mc:Choice xmlns:a14="http://schemas.microsoft.com/office/drawing/2010/main" Requires="a14">
+          </a:p>
+        </p:txBody>
+      </p:sp>
+      <mc:AlternateContent xmlns:mc="http://schemas.openxmlformats.org/markup-compatibility/2006" xmlns:a14="http://schemas.microsoft.com/office/drawing/2010/main">
+        <mc:Choice Requires="a14">
           <p:sp>
             <p:nvSpPr>
               <p:cNvPr id="35" name="TextBox 34"/>
@@ -5754,6 +5724,7 @@
               </a:bodyPr>
               <a:lstStyle/>
               <a:p>
+                <a:pPr/>
                 <a14:m>
                   <m:oMathPara xmlns:m="http://schemas.openxmlformats.org/officeDocument/2006/math">
                     <m:oMathParaPr>
@@ -5764,7 +5735,7 @@
                         <m:fPr>
                           <m:ctrlPr>
                             <a:rPr lang="en-US" sz="1400" b="0" i="1" smtClean="0">
-                              <a:latin typeface="Cambria Math" charset="0"/>
+                              <a:latin typeface="Cambria Math" panose="02040503050406030204" pitchFamily="18" charset="0"/>
                             </a:rPr>
                           </m:ctrlPr>
                         </m:fPr>
@@ -5793,7 +5764,7 @@
             </p:txBody>
           </p:sp>
         </mc:Choice>
-        <mc:Fallback>
+        <mc:Fallback xmlns="">
           <p:sp>
             <p:nvSpPr>
               <p:cNvPr id="35" name="TextBox 34"/>
@@ -5832,8 +5803,8 @@
           </p:sp>
         </mc:Fallback>
       </mc:AlternateContent>
-      <mc:AlternateContent xmlns:mc="http://schemas.openxmlformats.org/markup-compatibility/2006">
-        <mc:Choice xmlns:a14="http://schemas.microsoft.com/office/drawing/2010/main" Requires="a14">
+      <mc:AlternateContent xmlns:mc="http://schemas.openxmlformats.org/markup-compatibility/2006" xmlns:a14="http://schemas.microsoft.com/office/drawing/2010/main">
+        <mc:Choice Requires="a14">
           <p:sp>
             <p:nvSpPr>
               <p:cNvPr id="36" name="TextBox 35"/>
@@ -5856,6 +5827,7 @@
               </a:bodyPr>
               <a:lstStyle/>
               <a:p>
+                <a:pPr/>
                 <a14:m>
                   <m:oMathPara xmlns:m="http://schemas.openxmlformats.org/officeDocument/2006/math">
                     <m:oMathParaPr>
@@ -5866,7 +5838,7 @@
                         <m:fPr>
                           <m:ctrlPr>
                             <a:rPr lang="en-US" sz="1400" b="0" i="1" smtClean="0">
-                              <a:latin typeface="Cambria Math" charset="0"/>
+                              <a:latin typeface="Cambria Math" panose="02040503050406030204" pitchFamily="18" charset="0"/>
                             </a:rPr>
                           </m:ctrlPr>
                         </m:fPr>
@@ -5895,7 +5867,7 @@
             </p:txBody>
           </p:sp>
         </mc:Choice>
-        <mc:Fallback>
+        <mc:Fallback xmlns="">
           <p:sp>
             <p:nvSpPr>
               <p:cNvPr id="36" name="TextBox 35"/>
@@ -5934,8 +5906,8 @@
           </p:sp>
         </mc:Fallback>
       </mc:AlternateContent>
-      <mc:AlternateContent xmlns:mc="http://schemas.openxmlformats.org/markup-compatibility/2006">
-        <mc:Choice xmlns:a14="http://schemas.microsoft.com/office/drawing/2010/main" Requires="a14">
+      <mc:AlternateContent xmlns:mc="http://schemas.openxmlformats.org/markup-compatibility/2006" xmlns:a14="http://schemas.microsoft.com/office/drawing/2010/main">
+        <mc:Choice Requires="a14">
           <p:sp>
             <p:nvSpPr>
               <p:cNvPr id="37" name="TextBox 36"/>
@@ -5958,6 +5930,7 @@
               </a:bodyPr>
               <a:lstStyle/>
               <a:p>
+                <a:pPr/>
                 <a14:m>
                   <m:oMathPara xmlns:m="http://schemas.openxmlformats.org/officeDocument/2006/math">
                     <m:oMathParaPr>
@@ -5968,7 +5941,7 @@
                         <m:fPr>
                           <m:ctrlPr>
                             <a:rPr lang="en-US" sz="1400" b="0" i="1" smtClean="0">
-                              <a:latin typeface="Cambria Math" charset="0"/>
+                              <a:latin typeface="Cambria Math" panose="02040503050406030204" pitchFamily="18" charset="0"/>
                             </a:rPr>
                           </m:ctrlPr>
                         </m:fPr>
@@ -5997,7 +5970,7 @@
             </p:txBody>
           </p:sp>
         </mc:Choice>
-        <mc:Fallback>
+        <mc:Fallback xmlns="">
           <p:sp>
             <p:nvSpPr>
               <p:cNvPr id="37" name="TextBox 36"/>
@@ -6135,10 +6108,9 @@
           <a:lstStyle/>
           <a:p>
             <a:r>
-              <a:rPr lang="en-US" sz="2400" b="1" dirty="0" smtClean="0"/>
+              <a:rPr lang="en-US" sz="2400" b="1" dirty="0"/>
               <a:t>Longitudinal (quantitative)</a:t>
             </a:r>
-            <a:endParaRPr lang="en-US" sz="2400" b="1" dirty="0"/>
           </a:p>
         </p:txBody>
       </p:sp>
@@ -6165,7 +6137,7 @@
           <a:lstStyle/>
           <a:p>
             <a:r>
-              <a:rPr lang="en-US" dirty="0" smtClean="0"/>
+              <a:rPr lang="en-US" dirty="0"/>
               <a:t>Idea: </a:t>
             </a:r>
           </a:p>
@@ -6175,15 +6147,15 @@
               <a:buChar char="•"/>
             </a:pPr>
             <a:r>
-              <a:rPr lang="en-US" dirty="0" smtClean="0"/>
+              <a:rPr lang="en-US" dirty="0"/>
               <a:t>&gt;2 time points (could also be used for 2 time points</a:t>
             </a:r>
             <a:r>
-              <a:rPr lang="mr-IN" dirty="0" smtClean="0"/>
+              <a:rPr lang="mr-IN" dirty="0"/>
               <a:t>…</a:t>
             </a:r>
             <a:r>
-              <a:rPr lang="en-US" dirty="0" smtClean="0"/>
+              <a:rPr lang="en-US" dirty="0"/>
               <a:t>) </a:t>
             </a:r>
           </a:p>
@@ -6193,18 +6165,18 @@
               <a:buChar char="•"/>
             </a:pPr>
             <a:r>
-              <a:rPr lang="en-US" dirty="0" smtClean="0"/>
+              <a:rPr lang="en-US" dirty="0"/>
               <a:t>Direction of change </a:t>
             </a:r>
             <a:r>
-              <a:rPr lang="en-US" b="1" dirty="0" smtClean="0"/>
+              <a:rPr lang="en-US" b="1" dirty="0"/>
               <a:t>does not matter</a:t>
             </a:r>
             <a:r>
-              <a:rPr lang="en-US" dirty="0" smtClean="0"/>
+              <a:rPr lang="en-US" dirty="0"/>
               <a:t>, only magnitude</a:t>
             </a:r>
-            <a:endParaRPr lang="en-US" b="1" dirty="0" smtClean="0"/>
+            <a:endParaRPr lang="en-US" b="1" dirty="0"/>
           </a:p>
         </p:txBody>
       </p:sp>
@@ -6642,7 +6614,7 @@
           <a:lstStyle/>
           <a:p>
             <a:r>
-              <a:rPr lang="en-US" smtClean="0"/>
+              <a:rPr lang="en-US"/>
               <a:t>0.2</a:t>
             </a:r>
             <a:endParaRPr lang="en-US" dirty="0"/>
@@ -6675,10 +6647,9 @@
           <a:lstStyle/>
           <a:p>
             <a:r>
-              <a:rPr lang="en-US" dirty="0" smtClean="0"/>
+              <a:rPr lang="en-US" dirty="0"/>
               <a:t>0.35</a:t>
             </a:r>
-            <a:endParaRPr lang="en-US" dirty="0"/>
           </a:p>
         </p:txBody>
       </p:sp>
@@ -6708,7 +6679,7 @@
           <a:lstStyle/>
           <a:p>
             <a:r>
-              <a:rPr lang="en-US" smtClean="0"/>
+              <a:rPr lang="en-US"/>
               <a:t>0.15</a:t>
             </a:r>
             <a:endParaRPr lang="en-US" dirty="0"/>
@@ -6741,7 +6712,7 @@
           <a:lstStyle/>
           <a:p>
             <a:r>
-              <a:rPr lang="en-US" smtClean="0"/>
+              <a:rPr lang="en-US"/>
               <a:t>0.2</a:t>
             </a:r>
           </a:p>
@@ -6773,7 +6744,7 @@
           <a:lstStyle/>
           <a:p>
             <a:r>
-              <a:rPr lang="en-US" smtClean="0"/>
+              <a:rPr lang="en-US"/>
               <a:t>0.15</a:t>
             </a:r>
             <a:endParaRPr lang="en-US" dirty="0"/>
@@ -6806,7 +6777,7 @@
           <a:lstStyle/>
           <a:p>
             <a:r>
-              <a:rPr lang="en-US" smtClean="0"/>
+              <a:rPr lang="en-US"/>
               <a:t>0.2</a:t>
             </a:r>
           </a:p>
@@ -6838,10 +6809,9 @@
           <a:lstStyle/>
           <a:p>
             <a:r>
-              <a:rPr lang="en-US" dirty="0" smtClean="0"/>
+              <a:rPr lang="en-US" dirty="0"/>
               <a:t>0.25</a:t>
             </a:r>
-            <a:endParaRPr lang="en-US" dirty="0"/>
           </a:p>
         </p:txBody>
       </p:sp>
@@ -6871,10 +6841,9 @@
           <a:lstStyle/>
           <a:p>
             <a:r>
-              <a:rPr lang="en-US" dirty="0" smtClean="0"/>
+              <a:rPr lang="en-US" dirty="0"/>
               <a:t>0.2</a:t>
             </a:r>
-            <a:endParaRPr lang="en-US" dirty="0"/>
           </a:p>
         </p:txBody>
       </p:sp>
@@ -6904,7 +6873,7 @@
           <a:lstStyle/>
           <a:p>
             <a:r>
-              <a:rPr lang="en-US" dirty="0" smtClean="0"/>
+              <a:rPr lang="en-US" dirty="0"/>
               <a:t>0.2</a:t>
             </a:r>
           </a:p>
@@ -6982,7 +6951,7 @@
           <a:lstStyle/>
           <a:p>
             <a:r>
-              <a:rPr lang="en-US" smtClean="0"/>
+              <a:rPr lang="en-US"/>
               <a:t>0.1</a:t>
             </a:r>
           </a:p>
@@ -6996,7 +6965,7 @@
         </p:nvCxnSpPr>
         <p:spPr>
           <a:xfrm flipH="1">
-            <a:off x="1526078" y="3192915"/>
+            <a:off x="1540826" y="3192915"/>
             <a:ext cx="3346" cy="914400"/>
           </a:xfrm>
           <a:prstGeom prst="line">
@@ -7161,10 +7130,9 @@
           <a:lstStyle/>
           <a:p>
             <a:r>
-              <a:rPr lang="en-US" dirty="0" smtClean="0"/>
+              <a:rPr lang="en-US" dirty="0"/>
               <a:t>0.05</a:t>
             </a:r>
-            <a:endParaRPr lang="en-US" dirty="0"/>
           </a:p>
         </p:txBody>
       </p:sp>
@@ -7221,10 +7189,9 @@
           <a:lstStyle/>
           <a:p>
             <a:r>
-              <a:rPr lang="en-US" dirty="0" smtClean="0"/>
+              <a:rPr lang="en-US" dirty="0"/>
               <a:t>0</a:t>
             </a:r>
-            <a:endParaRPr lang="en-US" dirty="0"/>
           </a:p>
         </p:txBody>
       </p:sp>
@@ -7251,7 +7218,7 @@
           <a:lstStyle/>
           <a:p>
             <a:r>
-              <a:rPr lang="en-US" smtClean="0"/>
+              <a:rPr lang="en-US"/>
               <a:t>0.1</a:t>
             </a:r>
             <a:endParaRPr lang="en-US" dirty="0"/>
@@ -7281,7 +7248,7 @@
           <a:lstStyle/>
           <a:p>
             <a:r>
-              <a:rPr lang="en-US" smtClean="0"/>
+              <a:rPr lang="en-US"/>
               <a:t>0.1</a:t>
             </a:r>
             <a:endParaRPr lang="en-US" dirty="0"/>
@@ -7311,10 +7278,9 @@
           <a:lstStyle/>
           <a:p>
             <a:r>
-              <a:rPr lang="en-US" dirty="0" smtClean="0"/>
+              <a:rPr lang="en-US" dirty="0"/>
               <a:t>0.05</a:t>
             </a:r>
-            <a:endParaRPr lang="en-US" dirty="0"/>
           </a:p>
         </p:txBody>
       </p:sp>
@@ -7525,10 +7491,9 @@
           <a:lstStyle/>
           <a:p>
             <a:r>
-              <a:rPr lang="en-US" dirty="0" smtClean="0"/>
+              <a:rPr lang="en-US" dirty="0"/>
               <a:t>0.25</a:t>
             </a:r>
-            <a:endParaRPr lang="en-US" dirty="0"/>
           </a:p>
         </p:txBody>
       </p:sp>
@@ -7558,7 +7523,7 @@
           <a:lstStyle/>
           <a:p>
             <a:r>
-              <a:rPr lang="en-US" dirty="0" smtClean="0"/>
+              <a:rPr lang="en-US" dirty="0"/>
               <a:t>0.2</a:t>
             </a:r>
           </a:p>
@@ -7590,7 +7555,7 @@
           <a:lstStyle/>
           <a:p>
             <a:r>
-              <a:rPr lang="en-US" smtClean="0"/>
+              <a:rPr lang="en-US"/>
               <a:t>0.1</a:t>
             </a:r>
             <a:endParaRPr lang="en-US" dirty="0"/>
@@ -7623,10 +7588,9 @@
           <a:lstStyle/>
           <a:p>
             <a:r>
-              <a:rPr lang="en-US" dirty="0" smtClean="0"/>
+              <a:rPr lang="en-US" dirty="0"/>
               <a:t>0.2</a:t>
             </a:r>
-            <a:endParaRPr lang="en-US" dirty="0"/>
           </a:p>
         </p:txBody>
       </p:sp>
@@ -7656,7 +7620,7 @@
           <a:lstStyle/>
           <a:p>
             <a:r>
-              <a:rPr lang="en-US" dirty="0" smtClean="0"/>
+              <a:rPr lang="en-US" dirty="0"/>
               <a:t>0.25</a:t>
             </a:r>
           </a:p>
@@ -7835,10 +7799,9 @@
           <a:lstStyle/>
           <a:p>
             <a:r>
-              <a:rPr lang="en-US" dirty="0" smtClean="0"/>
+              <a:rPr lang="en-US" dirty="0"/>
               <a:t>0.1</a:t>
             </a:r>
-            <a:endParaRPr lang="en-US" dirty="0"/>
           </a:p>
         </p:txBody>
       </p:sp>
@@ -7895,7 +7858,7 @@
           <a:lstStyle/>
           <a:p>
             <a:r>
-              <a:rPr lang="en-US" smtClean="0"/>
+              <a:rPr lang="en-US"/>
               <a:t>0.05</a:t>
             </a:r>
             <a:endParaRPr lang="en-US" dirty="0"/>
@@ -7925,10 +7888,9 @@
           <a:lstStyle/>
           <a:p>
             <a:r>
-              <a:rPr lang="en-US" dirty="0" smtClean="0"/>
+              <a:rPr lang="en-US" dirty="0"/>
               <a:t>0</a:t>
             </a:r>
-            <a:endParaRPr lang="en-US" dirty="0"/>
           </a:p>
         </p:txBody>
       </p:sp>
@@ -7955,10 +7917,9 @@
           <a:lstStyle/>
           <a:p>
             <a:r>
-              <a:rPr lang="en-US" dirty="0" smtClean="0"/>
+              <a:rPr lang="en-US" dirty="0"/>
               <a:t>0.15</a:t>
             </a:r>
-            <a:endParaRPr lang="en-US" dirty="0"/>
           </a:p>
         </p:txBody>
       </p:sp>
@@ -7985,7 +7946,7 @@
           <a:lstStyle/>
           <a:p>
             <a:r>
-              <a:rPr lang="en-US" smtClean="0"/>
+              <a:rPr lang="en-US"/>
               <a:t>0</a:t>
             </a:r>
           </a:p>
@@ -8014,10 +7975,9 @@
           <a:lstStyle/>
           <a:p>
             <a:r>
-              <a:rPr lang="en-US" smtClean="0"/>
+              <a:rPr lang="en-US"/>
               <a:t>T1</a:t>
             </a:r>
-            <a:endParaRPr lang="en-US"/>
           </a:p>
         </p:txBody>
       </p:sp>
@@ -8044,10 +8004,9 @@
           <a:lstStyle/>
           <a:p>
             <a:r>
-              <a:rPr lang="en-US" dirty="0" smtClean="0"/>
+              <a:rPr lang="en-US" dirty="0"/>
               <a:t>T2</a:t>
             </a:r>
-            <a:endParaRPr lang="en-US" dirty="0"/>
           </a:p>
         </p:txBody>
       </p:sp>
@@ -8074,10 +8033,9 @@
           <a:lstStyle/>
           <a:p>
             <a:r>
-              <a:rPr lang="en-US" dirty="0" smtClean="0"/>
+              <a:rPr lang="en-US" dirty="0"/>
               <a:t>T3</a:t>
             </a:r>
-            <a:endParaRPr lang="en-US" dirty="0"/>
           </a:p>
         </p:txBody>
       </p:sp>
@@ -8104,11 +8062,11 @@
           <a:lstStyle/>
           <a:p>
             <a:r>
-              <a:rPr lang="en-US" dirty="0" smtClean="0"/>
+              <a:rPr lang="en-US" dirty="0"/>
               <a:t>Cumulative: 	</a:t>
             </a:r>
             <a:r>
-              <a:rPr lang="en-US" dirty="0" smtClean="0">
+              <a:rPr lang="en-US" dirty="0">
                 <a:solidFill>
                   <a:srgbClr val="0070C0"/>
                 </a:solidFill>
@@ -8116,11 +8074,11 @@
               <a:t>0.15</a:t>
             </a:r>
             <a:r>
-              <a:rPr lang="en-US" dirty="0" smtClean="0"/>
+              <a:rPr lang="en-US" dirty="0"/>
               <a:t>		       </a:t>
             </a:r>
             <a:r>
-              <a:rPr lang="en-US" dirty="0" smtClean="0">
+              <a:rPr lang="en-US" dirty="0">
                 <a:solidFill>
                   <a:schemeClr val="accent6"/>
                 </a:solidFill>
@@ -8128,11 +8086,11 @@
               <a:t>0.1</a:t>
             </a:r>
             <a:r>
-              <a:rPr lang="en-US" dirty="0" smtClean="0"/>
+              <a:rPr lang="en-US" dirty="0"/>
               <a:t>		</a:t>
             </a:r>
             <a:r>
-              <a:rPr lang="en-US" dirty="0" smtClean="0">
+              <a:rPr lang="en-US" dirty="0">
                 <a:solidFill>
                   <a:schemeClr val="accent4"/>
                 </a:solidFill>
@@ -8140,7 +8098,7 @@
               <a:t>0.25	           </a:t>
             </a:r>
             <a:r>
-              <a:rPr lang="en-US" dirty="0" smtClean="0">
+              <a:rPr lang="en-US" dirty="0">
                 <a:solidFill>
                   <a:schemeClr val="accent2"/>
                 </a:solidFill>
@@ -8149,25 +8107,16 @@
             </a:r>
             <a:r>
               <a:rPr lang="en-US" dirty="0"/>
-              <a:t> </a:t>
-            </a:r>
-            <a:r>
-              <a:rPr lang="en-US" dirty="0" smtClean="0"/>
-              <a:t>             </a:t>
-            </a:r>
-            <a:r>
-              <a:rPr lang="en-US" dirty="0" smtClean="0">
+              <a:t>              </a:t>
+            </a:r>
+            <a:r>
+              <a:rPr lang="en-US" dirty="0">
                 <a:solidFill>
                   <a:srgbClr val="C00000"/>
                 </a:solidFill>
               </a:rPr>
               <a:t>0.05</a:t>
             </a:r>
-            <a:endParaRPr lang="en-US" dirty="0">
-              <a:solidFill>
-                <a:srgbClr val="C00000"/>
-              </a:solidFill>
-            </a:endParaRPr>
           </a:p>
         </p:txBody>
       </p:sp>
@@ -8270,10 +8219,9 @@
           <a:lstStyle/>
           <a:p>
             <a:r>
-              <a:rPr lang="en-US" sz="2400" b="1" dirty="0" smtClean="0"/>
+              <a:rPr lang="en-US" sz="2400" b="1" dirty="0"/>
               <a:t>Longitudinal (quantitative)</a:t>
             </a:r>
-            <a:endParaRPr lang="en-US" sz="2400" b="1" dirty="0"/>
           </a:p>
         </p:txBody>
       </p:sp>
@@ -8300,7 +8248,7 @@
           <a:lstStyle/>
           <a:p>
             <a:r>
-              <a:rPr lang="en-US" dirty="0" smtClean="0"/>
+              <a:rPr lang="en-US" dirty="0"/>
               <a:t>Idea: </a:t>
             </a:r>
           </a:p>
@@ -8310,7 +8258,7 @@
               <a:buChar char="•"/>
             </a:pPr>
             <a:r>
-              <a:rPr lang="en-US" dirty="0" smtClean="0"/>
+              <a:rPr lang="en-US" dirty="0"/>
               <a:t>&gt;2 time points (could also be used for 2 time points) </a:t>
             </a:r>
           </a:p>
@@ -8320,15 +8268,15 @@
               <a:buChar char="•"/>
             </a:pPr>
             <a:r>
-              <a:rPr lang="en-US" dirty="0" smtClean="0"/>
+              <a:rPr lang="en-US" dirty="0"/>
               <a:t>Direction of change </a:t>
             </a:r>
             <a:r>
-              <a:rPr lang="en-US" b="1" dirty="0" smtClean="0"/>
+              <a:rPr lang="en-US" b="1" dirty="0"/>
               <a:t>does not matter</a:t>
             </a:r>
             <a:r>
-              <a:rPr lang="en-US" dirty="0" smtClean="0"/>
+              <a:rPr lang="en-US" dirty="0"/>
               <a:t>, only magnitude</a:t>
             </a:r>
           </a:p>
@@ -8338,23 +8286,19 @@
               <a:buChar char="•"/>
             </a:pPr>
             <a:r>
-              <a:rPr lang="mr-IN" dirty="0" smtClean="0"/>
+              <a:rPr lang="mr-IN" dirty="0"/>
               <a:t>…</a:t>
             </a:r>
             <a:r>
               <a:rPr lang="en-US" dirty="0"/>
-              <a:t> </a:t>
-            </a:r>
-            <a:r>
-              <a:rPr lang="en-US" dirty="0" smtClean="0"/>
-              <a:t>again, normalize by taxon abundance (and divide by [# time points </a:t>
-            </a:r>
-            <a:r>
-              <a:rPr lang="mr-IN" dirty="0" smtClean="0"/>
+              <a:t> again, normalize by taxon abundance (and divide by [# time points </a:t>
+            </a:r>
+            <a:r>
+              <a:rPr lang="mr-IN" dirty="0"/>
               <a:t>–</a:t>
             </a:r>
             <a:r>
-              <a:rPr lang="en-US" dirty="0" smtClean="0"/>
+              <a:rPr lang="en-US" dirty="0"/>
               <a:t> 1])</a:t>
             </a:r>
           </a:p>
@@ -8794,7 +8738,7 @@
           <a:lstStyle/>
           <a:p>
             <a:r>
-              <a:rPr lang="en-US" smtClean="0"/>
+              <a:rPr lang="en-US"/>
               <a:t>0.2</a:t>
             </a:r>
             <a:endParaRPr lang="en-US" dirty="0"/>
@@ -8827,10 +8771,9 @@
           <a:lstStyle/>
           <a:p>
             <a:r>
-              <a:rPr lang="en-US" dirty="0" smtClean="0"/>
+              <a:rPr lang="en-US" dirty="0"/>
               <a:t>0.35</a:t>
             </a:r>
-            <a:endParaRPr lang="en-US" dirty="0"/>
           </a:p>
         </p:txBody>
       </p:sp>
@@ -8860,7 +8803,7 @@
           <a:lstStyle/>
           <a:p>
             <a:r>
-              <a:rPr lang="en-US" smtClean="0"/>
+              <a:rPr lang="en-US"/>
               <a:t>0.15</a:t>
             </a:r>
             <a:endParaRPr lang="en-US" dirty="0"/>
@@ -8893,7 +8836,7 @@
           <a:lstStyle/>
           <a:p>
             <a:r>
-              <a:rPr lang="en-US" smtClean="0"/>
+              <a:rPr lang="en-US"/>
               <a:t>0.2</a:t>
             </a:r>
           </a:p>
@@ -8925,7 +8868,7 @@
           <a:lstStyle/>
           <a:p>
             <a:r>
-              <a:rPr lang="en-US" smtClean="0"/>
+              <a:rPr lang="en-US"/>
               <a:t>0.15</a:t>
             </a:r>
             <a:endParaRPr lang="en-US" dirty="0"/>
@@ -8958,7 +8901,7 @@
           <a:lstStyle/>
           <a:p>
             <a:r>
-              <a:rPr lang="en-US" smtClean="0"/>
+              <a:rPr lang="en-US"/>
               <a:t>0.2</a:t>
             </a:r>
           </a:p>
@@ -8990,10 +8933,9 @@
           <a:lstStyle/>
           <a:p>
             <a:r>
-              <a:rPr lang="en-US" dirty="0" smtClean="0"/>
+              <a:rPr lang="en-US" dirty="0"/>
               <a:t>0.25</a:t>
             </a:r>
-            <a:endParaRPr lang="en-US" dirty="0"/>
           </a:p>
         </p:txBody>
       </p:sp>
@@ -9023,10 +8965,9 @@
           <a:lstStyle/>
           <a:p>
             <a:r>
-              <a:rPr lang="en-US" dirty="0" smtClean="0"/>
+              <a:rPr lang="en-US" dirty="0"/>
               <a:t>0.2</a:t>
             </a:r>
-            <a:endParaRPr lang="en-US" dirty="0"/>
           </a:p>
         </p:txBody>
       </p:sp>
@@ -9056,7 +8997,7 @@
           <a:lstStyle/>
           <a:p>
             <a:r>
-              <a:rPr lang="en-US" dirty="0" smtClean="0"/>
+              <a:rPr lang="en-US" dirty="0"/>
               <a:t>0.2</a:t>
             </a:r>
           </a:p>
@@ -9134,7 +9075,7 @@
           <a:lstStyle/>
           <a:p>
             <a:r>
-              <a:rPr lang="en-US" smtClean="0"/>
+              <a:rPr lang="en-US"/>
               <a:t>0.1</a:t>
             </a:r>
           </a:p>
@@ -9148,7 +9089,7 @@
         </p:nvCxnSpPr>
         <p:spPr>
           <a:xfrm flipH="1">
-            <a:off x="1526078" y="3205272"/>
+            <a:off x="1540826" y="3205272"/>
             <a:ext cx="3346" cy="914400"/>
           </a:xfrm>
           <a:prstGeom prst="line">
@@ -9343,10 +9284,9 @@
           <a:lstStyle/>
           <a:p>
             <a:r>
-              <a:rPr lang="en-US" dirty="0" smtClean="0"/>
+              <a:rPr lang="en-US" dirty="0"/>
               <a:t>0</a:t>
             </a:r>
-            <a:endParaRPr lang="en-US" dirty="0"/>
           </a:p>
         </p:txBody>
       </p:sp>
@@ -9557,10 +9497,9 @@
           <a:lstStyle/>
           <a:p>
             <a:r>
-              <a:rPr lang="en-US" dirty="0" smtClean="0"/>
+              <a:rPr lang="en-US" dirty="0"/>
               <a:t>0.25</a:t>
             </a:r>
-            <a:endParaRPr lang="en-US" dirty="0"/>
           </a:p>
         </p:txBody>
       </p:sp>
@@ -9590,7 +9529,7 @@
           <a:lstStyle/>
           <a:p>
             <a:r>
-              <a:rPr lang="en-US" dirty="0" smtClean="0"/>
+              <a:rPr lang="en-US" dirty="0"/>
               <a:t>0.2</a:t>
             </a:r>
           </a:p>
@@ -9622,7 +9561,7 @@
           <a:lstStyle/>
           <a:p>
             <a:r>
-              <a:rPr lang="en-US" smtClean="0"/>
+              <a:rPr lang="en-US"/>
               <a:t>0.1</a:t>
             </a:r>
             <a:endParaRPr lang="en-US" dirty="0"/>
@@ -9655,10 +9594,9 @@
           <a:lstStyle/>
           <a:p>
             <a:r>
-              <a:rPr lang="en-US" dirty="0" smtClean="0"/>
+              <a:rPr lang="en-US" dirty="0"/>
               <a:t>0.2</a:t>
             </a:r>
-            <a:endParaRPr lang="en-US" dirty="0"/>
           </a:p>
         </p:txBody>
       </p:sp>
@@ -9688,7 +9626,7 @@
           <a:lstStyle/>
           <a:p>
             <a:r>
-              <a:rPr lang="en-US" dirty="0" smtClean="0"/>
+              <a:rPr lang="en-US" dirty="0"/>
               <a:t>0.25</a:t>
             </a:r>
           </a:p>
@@ -9897,10 +9835,9 @@
           <a:lstStyle/>
           <a:p>
             <a:r>
-              <a:rPr lang="en-US" dirty="0" smtClean="0"/>
+              <a:rPr lang="en-US" dirty="0"/>
               <a:t>0</a:t>
             </a:r>
-            <a:endParaRPr lang="en-US" dirty="0"/>
           </a:p>
         </p:txBody>
       </p:sp>
@@ -9927,7 +9864,7 @@
           <a:lstStyle/>
           <a:p>
             <a:r>
-              <a:rPr lang="en-US" dirty="0" smtClean="0"/>
+              <a:rPr lang="en-US" dirty="0"/>
               <a:t>0</a:t>
             </a:r>
           </a:p>
@@ -9956,10 +9893,9 @@
           <a:lstStyle/>
           <a:p>
             <a:r>
-              <a:rPr lang="en-US" smtClean="0"/>
+              <a:rPr lang="en-US"/>
               <a:t>T1</a:t>
             </a:r>
-            <a:endParaRPr lang="en-US"/>
           </a:p>
         </p:txBody>
       </p:sp>
@@ -9986,10 +9922,9 @@
           <a:lstStyle/>
           <a:p>
             <a:r>
-              <a:rPr lang="en-US" dirty="0" smtClean="0"/>
+              <a:rPr lang="en-US" dirty="0"/>
               <a:t>T2</a:t>
             </a:r>
-            <a:endParaRPr lang="en-US" dirty="0"/>
           </a:p>
         </p:txBody>
       </p:sp>
@@ -10016,10 +9951,9 @@
           <a:lstStyle/>
           <a:p>
             <a:r>
-              <a:rPr lang="en-US" dirty="0" smtClean="0"/>
+              <a:rPr lang="en-US" dirty="0"/>
               <a:t>T3</a:t>
             </a:r>
-            <a:endParaRPr lang="en-US" dirty="0"/>
           </a:p>
         </p:txBody>
       </p:sp>
@@ -10046,11 +9980,11 @@
           <a:lstStyle/>
           <a:p>
             <a:r>
-              <a:rPr lang="en-US" dirty="0" smtClean="0"/>
+              <a:rPr lang="en-US" dirty="0"/>
               <a:t>Cumulative: 	</a:t>
             </a:r>
             <a:r>
-              <a:rPr lang="en-US" dirty="0" smtClean="0">
+              <a:rPr lang="en-US" dirty="0">
                 <a:solidFill>
                   <a:srgbClr val="0070C0"/>
                 </a:solidFill>
@@ -10058,11 +9992,11 @@
               <a:t>0.39/2</a:t>
             </a:r>
             <a:r>
-              <a:rPr lang="en-US" dirty="0" smtClean="0"/>
+              <a:rPr lang="en-US" dirty="0"/>
               <a:t>		       </a:t>
             </a:r>
             <a:r>
-              <a:rPr lang="en-US" dirty="0" smtClean="0">
+              <a:rPr lang="en-US" dirty="0">
                 <a:solidFill>
                   <a:schemeClr val="accent6"/>
                 </a:solidFill>
@@ -10070,11 +10004,11 @@
               <a:t>0.33/2</a:t>
             </a:r>
             <a:r>
-              <a:rPr lang="en-US" dirty="0" smtClean="0"/>
+              <a:rPr lang="en-US" dirty="0"/>
               <a:t>	</a:t>
             </a:r>
             <a:r>
-              <a:rPr lang="en-US" dirty="0" smtClean="0">
+              <a:rPr lang="en-US" dirty="0">
                 <a:solidFill>
                   <a:schemeClr val="accent4"/>
                 </a:solidFill>
@@ -10082,7 +10016,7 @@
               <a:t>0.6/2	           </a:t>
             </a:r>
             <a:r>
-              <a:rPr lang="en-US" dirty="0" smtClean="0">
+              <a:rPr lang="en-US" dirty="0">
                 <a:solidFill>
                   <a:schemeClr val="accent2"/>
                 </a:solidFill>
@@ -10091,30 +10025,21 @@
             </a:r>
             <a:r>
               <a:rPr lang="en-US" dirty="0"/>
-              <a:t> </a:t>
-            </a:r>
-            <a:r>
-              <a:rPr lang="en-US" dirty="0" smtClean="0"/>
-              <a:t>             </a:t>
-            </a:r>
-            <a:r>
-              <a:rPr lang="en-US" dirty="0" smtClean="0">
+              <a:t>              </a:t>
+            </a:r>
+            <a:r>
+              <a:rPr lang="en-US" dirty="0">
                 <a:solidFill>
                   <a:srgbClr val="C00000"/>
                 </a:solidFill>
               </a:rPr>
               <a:t>0.11/2</a:t>
             </a:r>
-            <a:endParaRPr lang="en-US" dirty="0">
-              <a:solidFill>
-                <a:srgbClr val="C00000"/>
-              </a:solidFill>
-            </a:endParaRPr>
-          </a:p>
-        </p:txBody>
-      </p:sp>
-      <mc:AlternateContent xmlns:mc="http://schemas.openxmlformats.org/markup-compatibility/2006">
-        <mc:Choice xmlns:a14="http://schemas.microsoft.com/office/drawing/2010/main" Requires="a14">
+          </a:p>
+        </p:txBody>
+      </p:sp>
+      <mc:AlternateContent xmlns:mc="http://schemas.openxmlformats.org/markup-compatibility/2006" xmlns:a14="http://schemas.microsoft.com/office/drawing/2010/main">
+        <mc:Choice Requires="a14">
           <p:sp>
             <p:nvSpPr>
               <p:cNvPr id="69" name="TextBox 68"/>
@@ -10137,6 +10062,7 @@
               </a:bodyPr>
               <a:lstStyle/>
               <a:p>
+                <a:pPr/>
                 <a14:m>
                   <m:oMathPara xmlns:m="http://schemas.openxmlformats.org/officeDocument/2006/math">
                     <m:oMathParaPr>
@@ -10147,7 +10073,7 @@
                         <m:fPr>
                           <m:ctrlPr>
                             <a:rPr lang="en-US" sz="1400" b="0" i="1" smtClean="0">
-                              <a:latin typeface="Cambria Math" charset="0"/>
+                              <a:latin typeface="Cambria Math" panose="02040503050406030204" pitchFamily="18" charset="0"/>
                             </a:rPr>
                           </m:ctrlPr>
                         </m:fPr>
@@ -10182,7 +10108,7 @@
             </p:txBody>
           </p:sp>
         </mc:Choice>
-        <mc:Fallback>
+        <mc:Fallback xmlns="">
           <p:sp>
             <p:nvSpPr>
               <p:cNvPr id="69" name="TextBox 68"/>
@@ -10221,8 +10147,8 @@
           </p:sp>
         </mc:Fallback>
       </mc:AlternateContent>
-      <mc:AlternateContent xmlns:mc="http://schemas.openxmlformats.org/markup-compatibility/2006">
-        <mc:Choice xmlns:a14="http://schemas.microsoft.com/office/drawing/2010/main" Requires="a14">
+      <mc:AlternateContent xmlns:mc="http://schemas.openxmlformats.org/markup-compatibility/2006" xmlns:a14="http://schemas.microsoft.com/office/drawing/2010/main">
+        <mc:Choice Requires="a14">
           <p:sp>
             <p:nvSpPr>
               <p:cNvPr id="70" name="TextBox 69"/>
@@ -10245,6 +10171,7 @@
               </a:bodyPr>
               <a:lstStyle/>
               <a:p>
+                <a:pPr/>
                 <a14:m>
                   <m:oMathPara xmlns:m="http://schemas.openxmlformats.org/officeDocument/2006/math">
                     <m:oMathParaPr>
@@ -10255,7 +10182,7 @@
                         <m:fPr>
                           <m:ctrlPr>
                             <a:rPr lang="en-US" sz="1400" b="0" i="1" smtClean="0">
-                              <a:latin typeface="Cambria Math" charset="0"/>
+                              <a:latin typeface="Cambria Math" panose="02040503050406030204" pitchFamily="18" charset="0"/>
                             </a:rPr>
                           </m:ctrlPr>
                         </m:fPr>
@@ -10290,7 +10217,7 @@
             </p:txBody>
           </p:sp>
         </mc:Choice>
-        <mc:Fallback>
+        <mc:Fallback xmlns="">
           <p:sp>
             <p:nvSpPr>
               <p:cNvPr id="70" name="TextBox 69"/>
@@ -10329,8 +10256,8 @@
           </p:sp>
         </mc:Fallback>
       </mc:AlternateContent>
-      <mc:AlternateContent xmlns:mc="http://schemas.openxmlformats.org/markup-compatibility/2006">
-        <mc:Choice xmlns:a14="http://schemas.microsoft.com/office/drawing/2010/main" Requires="a14">
+      <mc:AlternateContent xmlns:mc="http://schemas.openxmlformats.org/markup-compatibility/2006" xmlns:a14="http://schemas.microsoft.com/office/drawing/2010/main">
+        <mc:Choice Requires="a14">
           <p:sp>
             <p:nvSpPr>
               <p:cNvPr id="72" name="TextBox 71"/>
@@ -10353,6 +10280,7 @@
               </a:bodyPr>
               <a:lstStyle/>
               <a:p>
+                <a:pPr/>
                 <a14:m>
                   <m:oMathPara xmlns:m="http://schemas.openxmlformats.org/officeDocument/2006/math">
                     <m:oMathParaPr>
@@ -10363,7 +10291,7 @@
                         <m:fPr>
                           <m:ctrlPr>
                             <a:rPr lang="en-US" sz="1400" b="0" i="1" smtClean="0">
-                              <a:latin typeface="Cambria Math" charset="0"/>
+                              <a:latin typeface="Cambria Math" panose="02040503050406030204" pitchFamily="18" charset="0"/>
                             </a:rPr>
                           </m:ctrlPr>
                         </m:fPr>
@@ -10398,7 +10326,7 @@
             </p:txBody>
           </p:sp>
         </mc:Choice>
-        <mc:Fallback>
+        <mc:Fallback xmlns="">
           <p:sp>
             <p:nvSpPr>
               <p:cNvPr id="72" name="TextBox 71"/>
@@ -10437,8 +10365,8 @@
           </p:sp>
         </mc:Fallback>
       </mc:AlternateContent>
-      <mc:AlternateContent xmlns:mc="http://schemas.openxmlformats.org/markup-compatibility/2006">
-        <mc:Choice xmlns:a14="http://schemas.microsoft.com/office/drawing/2010/main" Requires="a14">
+      <mc:AlternateContent xmlns:mc="http://schemas.openxmlformats.org/markup-compatibility/2006" xmlns:a14="http://schemas.microsoft.com/office/drawing/2010/main">
+        <mc:Choice Requires="a14">
           <p:sp>
             <p:nvSpPr>
               <p:cNvPr id="74" name="TextBox 73"/>
@@ -10461,6 +10389,7 @@
               </a:bodyPr>
               <a:lstStyle/>
               <a:p>
+                <a:pPr/>
                 <a14:m>
                   <m:oMathPara xmlns:m="http://schemas.openxmlformats.org/officeDocument/2006/math">
                     <m:oMathParaPr>
@@ -10471,7 +10400,7 @@
                         <m:fPr>
                           <m:ctrlPr>
                             <a:rPr lang="en-US" sz="1400" b="0" i="1" smtClean="0">
-                              <a:latin typeface="Cambria Math" charset="0"/>
+                              <a:latin typeface="Cambria Math" panose="02040503050406030204" pitchFamily="18" charset="0"/>
                             </a:rPr>
                           </m:ctrlPr>
                         </m:fPr>
@@ -10506,7 +10435,7 @@
             </p:txBody>
           </p:sp>
         </mc:Choice>
-        <mc:Fallback>
+        <mc:Fallback xmlns="">
           <p:sp>
             <p:nvSpPr>
               <p:cNvPr id="74" name="TextBox 73"/>
@@ -10545,8 +10474,8 @@
           </p:sp>
         </mc:Fallback>
       </mc:AlternateContent>
-      <mc:AlternateContent xmlns:mc="http://schemas.openxmlformats.org/markup-compatibility/2006">
-        <mc:Choice xmlns:a14="http://schemas.microsoft.com/office/drawing/2010/main" Requires="a14">
+      <mc:AlternateContent xmlns:mc="http://schemas.openxmlformats.org/markup-compatibility/2006" xmlns:a14="http://schemas.microsoft.com/office/drawing/2010/main">
+        <mc:Choice Requires="a14">
           <p:sp>
             <p:nvSpPr>
               <p:cNvPr id="75" name="TextBox 74"/>
@@ -10569,6 +10498,7 @@
               </a:bodyPr>
               <a:lstStyle/>
               <a:p>
+                <a:pPr/>
                 <a14:m>
                   <m:oMathPara xmlns:m="http://schemas.openxmlformats.org/officeDocument/2006/math">
                     <m:oMathParaPr>
@@ -10579,7 +10509,7 @@
                         <m:fPr>
                           <m:ctrlPr>
                             <a:rPr lang="en-US" sz="1400" b="0" i="1" smtClean="0">
-                              <a:latin typeface="Cambria Math" charset="0"/>
+                              <a:latin typeface="Cambria Math" panose="02040503050406030204" pitchFamily="18" charset="0"/>
                             </a:rPr>
                           </m:ctrlPr>
                         </m:fPr>
@@ -10614,7 +10544,7 @@
             </p:txBody>
           </p:sp>
         </mc:Choice>
-        <mc:Fallback>
+        <mc:Fallback xmlns="">
           <p:sp>
             <p:nvSpPr>
               <p:cNvPr id="75" name="TextBox 74"/>
@@ -10653,8 +10583,8 @@
           </p:sp>
         </mc:Fallback>
       </mc:AlternateContent>
-      <mc:AlternateContent xmlns:mc="http://schemas.openxmlformats.org/markup-compatibility/2006">
-        <mc:Choice xmlns:a14="http://schemas.microsoft.com/office/drawing/2010/main" Requires="a14">
+      <mc:AlternateContent xmlns:mc="http://schemas.openxmlformats.org/markup-compatibility/2006" xmlns:a14="http://schemas.microsoft.com/office/drawing/2010/main">
+        <mc:Choice Requires="a14">
           <p:sp>
             <p:nvSpPr>
               <p:cNvPr id="76" name="TextBox 75"/>
@@ -10677,6 +10607,7 @@
               </a:bodyPr>
               <a:lstStyle/>
               <a:p>
+                <a:pPr/>
                 <a14:m>
                   <m:oMathPara xmlns:m="http://schemas.openxmlformats.org/officeDocument/2006/math">
                     <m:oMathParaPr>
@@ -10687,7 +10618,7 @@
                         <m:fPr>
                           <m:ctrlPr>
                             <a:rPr lang="en-US" sz="1400" b="0" i="1" smtClean="0">
-                              <a:latin typeface="Cambria Math" charset="0"/>
+                              <a:latin typeface="Cambria Math" panose="02040503050406030204" pitchFamily="18" charset="0"/>
                             </a:rPr>
                           </m:ctrlPr>
                         </m:fPr>
@@ -10722,7 +10653,7 @@
             </p:txBody>
           </p:sp>
         </mc:Choice>
-        <mc:Fallback>
+        <mc:Fallback xmlns="">
           <p:sp>
             <p:nvSpPr>
               <p:cNvPr id="76" name="TextBox 75"/>
@@ -10761,8 +10692,8 @@
           </p:sp>
         </mc:Fallback>
       </mc:AlternateContent>
-      <mc:AlternateContent xmlns:mc="http://schemas.openxmlformats.org/markup-compatibility/2006">
-        <mc:Choice xmlns:a14="http://schemas.microsoft.com/office/drawing/2010/main" Requires="a14">
+      <mc:AlternateContent xmlns:mc="http://schemas.openxmlformats.org/markup-compatibility/2006" xmlns:a14="http://schemas.microsoft.com/office/drawing/2010/main">
+        <mc:Choice Requires="a14">
           <p:sp>
             <p:nvSpPr>
               <p:cNvPr id="77" name="TextBox 76"/>
@@ -10785,6 +10716,7 @@
               </a:bodyPr>
               <a:lstStyle/>
               <a:p>
+                <a:pPr/>
                 <a14:m>
                   <m:oMathPara xmlns:m="http://schemas.openxmlformats.org/officeDocument/2006/math">
                     <m:oMathParaPr>
@@ -10795,7 +10727,7 @@
                         <m:fPr>
                           <m:ctrlPr>
                             <a:rPr lang="en-US" sz="1400" b="0" i="1" smtClean="0">
-                              <a:latin typeface="Cambria Math" charset="0"/>
+                              <a:latin typeface="Cambria Math" panose="02040503050406030204" pitchFamily="18" charset="0"/>
                             </a:rPr>
                           </m:ctrlPr>
                         </m:fPr>
@@ -10830,7 +10762,7 @@
             </p:txBody>
           </p:sp>
         </mc:Choice>
-        <mc:Fallback>
+        <mc:Fallback xmlns="">
           <p:sp>
             <p:nvSpPr>
               <p:cNvPr id="77" name="TextBox 76"/>
@@ -10968,10 +10900,9 @@
           <a:lstStyle/>
           <a:p>
             <a:r>
-              <a:rPr lang="en-US" sz="2400" b="1" dirty="0" smtClean="0"/>
+              <a:rPr lang="en-US" sz="2400" b="1" dirty="0"/>
               <a:t>Longitudinal (quantitative)</a:t>
             </a:r>
-            <a:endParaRPr lang="en-US" sz="2400" b="1" dirty="0"/>
           </a:p>
         </p:txBody>
       </p:sp>
@@ -10998,7 +10929,7 @@
           <a:lstStyle/>
           <a:p>
             <a:r>
-              <a:rPr lang="en-US" dirty="0" smtClean="0"/>
+              <a:rPr lang="en-US" dirty="0"/>
               <a:t>Idea: </a:t>
             </a:r>
           </a:p>
@@ -11008,7 +10939,7 @@
               <a:buChar char="•"/>
             </a:pPr>
             <a:r>
-              <a:rPr lang="en-US" dirty="0" smtClean="0"/>
+              <a:rPr lang="en-US" dirty="0"/>
               <a:t>&gt;2 time points (could also be used for 2 time points) </a:t>
             </a:r>
           </a:p>
@@ -11018,15 +10949,15 @@
               <a:buChar char="•"/>
             </a:pPr>
             <a:r>
-              <a:rPr lang="en-US" dirty="0" smtClean="0"/>
+              <a:rPr lang="en-US" dirty="0"/>
               <a:t>Direction of change </a:t>
             </a:r>
             <a:r>
-              <a:rPr lang="en-US" b="1" dirty="0" smtClean="0"/>
+              <a:rPr lang="en-US" b="1" dirty="0"/>
               <a:t>does not matter</a:t>
             </a:r>
             <a:r>
-              <a:rPr lang="en-US" dirty="0" smtClean="0"/>
+              <a:rPr lang="en-US" dirty="0"/>
               <a:t>, only magnitude</a:t>
             </a:r>
           </a:p>
@@ -11036,23 +10967,19 @@
               <a:buChar char="•"/>
             </a:pPr>
             <a:r>
-              <a:rPr lang="mr-IN" dirty="0" smtClean="0"/>
+              <a:rPr lang="mr-IN" dirty="0"/>
               <a:t>…</a:t>
             </a:r>
             <a:r>
               <a:rPr lang="en-US" dirty="0"/>
-              <a:t> </a:t>
-            </a:r>
-            <a:r>
-              <a:rPr lang="en-US" dirty="0" smtClean="0"/>
-              <a:t>again, normalize by taxon abundance (and divide by [# time points </a:t>
-            </a:r>
-            <a:r>
-              <a:rPr lang="mr-IN" dirty="0" smtClean="0"/>
+              <a:t> again, normalize by taxon abundance (and divide by [# time points </a:t>
+            </a:r>
+            <a:r>
+              <a:rPr lang="mr-IN" dirty="0"/>
               <a:t>–</a:t>
             </a:r>
             <a:r>
-              <a:rPr lang="en-US" dirty="0" smtClean="0"/>
+              <a:rPr lang="en-US" dirty="0"/>
               <a:t> 1])</a:t>
             </a:r>
           </a:p>
@@ -11062,21 +10989,21 @@
               <a:buChar char="•"/>
             </a:pPr>
             <a:r>
-              <a:rPr lang="mr-IN" dirty="0" smtClean="0"/>
+              <a:rPr lang="mr-IN" dirty="0"/>
               <a:t>…</a:t>
             </a:r>
             <a:r>
-              <a:rPr lang="en-US" dirty="0" smtClean="0"/>
+              <a:rPr lang="en-US" dirty="0"/>
               <a:t> and to allow unbalanced designs, divide by time between time points </a:t>
             </a:r>
           </a:p>
           <a:p>
             <a:r>
-              <a:rPr lang="en-US" sz="1200" i="1" dirty="0" smtClean="0"/>
+              <a:rPr lang="en-US" sz="1200" i="1" dirty="0"/>
               <a:t>	(implicit assumption: more change by chance between more distant time points =&gt; less weight)</a:t>
             </a:r>
             <a:r>
-              <a:rPr lang="en-US" sz="1200" dirty="0" smtClean="0"/>
+              <a:rPr lang="en-US" sz="1200" dirty="0"/>
               <a:t>   </a:t>
             </a:r>
           </a:p>
@@ -11086,7 +11013,7 @@
               <a:t>	</a:t>
             </a:r>
             <a:r>
-              <a:rPr lang="en-US" sz="1200" dirty="0" smtClean="0">
+              <a:rPr lang="en-US" sz="1200" dirty="0">
                 <a:solidFill>
                   <a:srgbClr val="FF0000"/>
                 </a:solidFill>
@@ -11530,7 +11457,7 @@
           <a:lstStyle/>
           <a:p>
             <a:r>
-              <a:rPr lang="en-US" smtClean="0"/>
+              <a:rPr lang="en-US"/>
               <a:t>0.2</a:t>
             </a:r>
             <a:endParaRPr lang="en-US" dirty="0"/>
@@ -11563,10 +11490,9 @@
           <a:lstStyle/>
           <a:p>
             <a:r>
-              <a:rPr lang="en-US" dirty="0" smtClean="0"/>
+              <a:rPr lang="en-US" dirty="0"/>
               <a:t>0.35</a:t>
             </a:r>
-            <a:endParaRPr lang="en-US" dirty="0"/>
           </a:p>
         </p:txBody>
       </p:sp>
@@ -11596,7 +11522,7 @@
           <a:lstStyle/>
           <a:p>
             <a:r>
-              <a:rPr lang="en-US" smtClean="0"/>
+              <a:rPr lang="en-US"/>
               <a:t>0.15</a:t>
             </a:r>
             <a:endParaRPr lang="en-US" dirty="0"/>
@@ -11629,7 +11555,7 @@
           <a:lstStyle/>
           <a:p>
             <a:r>
-              <a:rPr lang="en-US" smtClean="0"/>
+              <a:rPr lang="en-US"/>
               <a:t>0.2</a:t>
             </a:r>
           </a:p>
@@ -11661,7 +11587,7 @@
           <a:lstStyle/>
           <a:p>
             <a:r>
-              <a:rPr lang="en-US" smtClean="0"/>
+              <a:rPr lang="en-US"/>
               <a:t>0.15</a:t>
             </a:r>
             <a:endParaRPr lang="en-US" dirty="0"/>
@@ -11694,7 +11620,7 @@
           <a:lstStyle/>
           <a:p>
             <a:r>
-              <a:rPr lang="en-US" smtClean="0"/>
+              <a:rPr lang="en-US"/>
               <a:t>0.2</a:t>
             </a:r>
           </a:p>
@@ -11726,10 +11652,9 @@
           <a:lstStyle/>
           <a:p>
             <a:r>
-              <a:rPr lang="en-US" dirty="0" smtClean="0"/>
+              <a:rPr lang="en-US" dirty="0"/>
               <a:t>0.25</a:t>
             </a:r>
-            <a:endParaRPr lang="en-US" dirty="0"/>
           </a:p>
         </p:txBody>
       </p:sp>
@@ -11759,10 +11684,9 @@
           <a:lstStyle/>
           <a:p>
             <a:r>
-              <a:rPr lang="en-US" dirty="0" smtClean="0"/>
+              <a:rPr lang="en-US" dirty="0"/>
               <a:t>0.2</a:t>
             </a:r>
-            <a:endParaRPr lang="en-US" dirty="0"/>
           </a:p>
         </p:txBody>
       </p:sp>
@@ -11792,7 +11716,7 @@
           <a:lstStyle/>
           <a:p>
             <a:r>
-              <a:rPr lang="en-US" dirty="0" smtClean="0"/>
+              <a:rPr lang="en-US" dirty="0"/>
               <a:t>0.2</a:t>
             </a:r>
           </a:p>
@@ -11870,7 +11794,7 @@
           <a:lstStyle/>
           <a:p>
             <a:r>
-              <a:rPr lang="en-US" smtClean="0"/>
+              <a:rPr lang="en-US"/>
               <a:t>0.1</a:t>
             </a:r>
           </a:p>
@@ -11884,7 +11808,7 @@
         </p:nvCxnSpPr>
         <p:spPr>
           <a:xfrm flipH="1">
-            <a:off x="1526078" y="3205272"/>
+            <a:off x="1540826" y="3205272"/>
             <a:ext cx="3346" cy="914400"/>
           </a:xfrm>
           <a:prstGeom prst="line">
@@ -12079,10 +12003,9 @@
           <a:lstStyle/>
           <a:p>
             <a:r>
-              <a:rPr lang="en-US" dirty="0" smtClean="0"/>
+              <a:rPr lang="en-US" dirty="0"/>
               <a:t>0</a:t>
             </a:r>
-            <a:endParaRPr lang="en-US" dirty="0"/>
           </a:p>
         </p:txBody>
       </p:sp>
@@ -12293,10 +12216,9 @@
           <a:lstStyle/>
           <a:p>
             <a:r>
-              <a:rPr lang="en-US" dirty="0" smtClean="0"/>
+              <a:rPr lang="en-US" dirty="0"/>
               <a:t>0.25</a:t>
             </a:r>
-            <a:endParaRPr lang="en-US" dirty="0"/>
           </a:p>
         </p:txBody>
       </p:sp>
@@ -12326,7 +12248,7 @@
           <a:lstStyle/>
           <a:p>
             <a:r>
-              <a:rPr lang="en-US" dirty="0" smtClean="0"/>
+              <a:rPr lang="en-US" dirty="0"/>
               <a:t>0.2</a:t>
             </a:r>
           </a:p>
@@ -12358,7 +12280,7 @@
           <a:lstStyle/>
           <a:p>
             <a:r>
-              <a:rPr lang="en-US" smtClean="0"/>
+              <a:rPr lang="en-US"/>
               <a:t>0.1</a:t>
             </a:r>
             <a:endParaRPr lang="en-US" dirty="0"/>
@@ -12391,10 +12313,9 @@
           <a:lstStyle/>
           <a:p>
             <a:r>
-              <a:rPr lang="en-US" dirty="0" smtClean="0"/>
+              <a:rPr lang="en-US" dirty="0"/>
               <a:t>0.2</a:t>
             </a:r>
-            <a:endParaRPr lang="en-US" dirty="0"/>
           </a:p>
         </p:txBody>
       </p:sp>
@@ -12424,7 +12345,7 @@
           <a:lstStyle/>
           <a:p>
             <a:r>
-              <a:rPr lang="en-US" dirty="0" smtClean="0"/>
+              <a:rPr lang="en-US" dirty="0"/>
               <a:t>0.25</a:t>
             </a:r>
           </a:p>
@@ -12633,10 +12554,9 @@
           <a:lstStyle/>
           <a:p>
             <a:r>
-              <a:rPr lang="en-US" dirty="0" smtClean="0"/>
+              <a:rPr lang="en-US" dirty="0"/>
               <a:t>0</a:t>
             </a:r>
-            <a:endParaRPr lang="en-US" dirty="0"/>
           </a:p>
         </p:txBody>
       </p:sp>
@@ -12663,7 +12583,7 @@
           <a:lstStyle/>
           <a:p>
             <a:r>
-              <a:rPr lang="en-US" dirty="0" smtClean="0"/>
+              <a:rPr lang="en-US" dirty="0"/>
               <a:t>0</a:t>
             </a:r>
           </a:p>
@@ -12692,10 +12612,9 @@
           <a:lstStyle/>
           <a:p>
             <a:r>
-              <a:rPr lang="en-US" smtClean="0"/>
+              <a:rPr lang="en-US"/>
               <a:t>T1</a:t>
             </a:r>
-            <a:endParaRPr lang="en-US"/>
           </a:p>
         </p:txBody>
       </p:sp>
@@ -12722,10 +12641,9 @@
           <a:lstStyle/>
           <a:p>
             <a:r>
-              <a:rPr lang="en-US" dirty="0" smtClean="0"/>
+              <a:rPr lang="en-US" dirty="0"/>
               <a:t>T2</a:t>
             </a:r>
-            <a:endParaRPr lang="en-US" dirty="0"/>
           </a:p>
         </p:txBody>
       </p:sp>
@@ -12752,10 +12670,9 @@
           <a:lstStyle/>
           <a:p>
             <a:r>
-              <a:rPr lang="en-US" dirty="0" smtClean="0"/>
+              <a:rPr lang="en-US" dirty="0"/>
               <a:t>T3</a:t>
             </a:r>
-            <a:endParaRPr lang="en-US" dirty="0"/>
           </a:p>
         </p:txBody>
       </p:sp>
@@ -12782,7 +12699,7 @@
           <a:lstStyle/>
           <a:p>
             <a:r>
-              <a:rPr lang="en-US" dirty="0" smtClean="0"/>
+              <a:rPr lang="en-US" dirty="0"/>
               <a:t>Cumulative:</a:t>
             </a:r>
             <a:endParaRPr lang="en-US" dirty="0">
@@ -12793,8 +12710,8 @@
           </a:p>
         </p:txBody>
       </p:sp>
-      <mc:AlternateContent xmlns:mc="http://schemas.openxmlformats.org/markup-compatibility/2006">
-        <mc:Choice xmlns:a14="http://schemas.microsoft.com/office/drawing/2010/main" Requires="a14">
+      <mc:AlternateContent xmlns:mc="http://schemas.openxmlformats.org/markup-compatibility/2006" xmlns:a14="http://schemas.microsoft.com/office/drawing/2010/main">
+        <mc:Choice Requires="a14">
           <p:sp>
             <p:nvSpPr>
               <p:cNvPr id="69" name="TextBox 68"/>
@@ -12817,6 +12734,7 @@
               </a:bodyPr>
               <a:lstStyle/>
               <a:p>
+                <a:pPr/>
                 <a14:m>
                   <m:oMathPara xmlns:m="http://schemas.openxmlformats.org/officeDocument/2006/math">
                     <m:oMathParaPr>
@@ -12827,7 +12745,7 @@
                         <m:fPr>
                           <m:ctrlPr>
                             <a:rPr lang="en-US" sz="1400" b="0" i="1" smtClean="0">
-                              <a:latin typeface="Cambria Math" charset="0"/>
+                              <a:latin typeface="Cambria Math" panose="02040503050406030204" pitchFamily="18" charset="0"/>
                             </a:rPr>
                           </m:ctrlPr>
                         </m:fPr>
@@ -12862,7 +12780,7 @@
             </p:txBody>
           </p:sp>
         </mc:Choice>
-        <mc:Fallback>
+        <mc:Fallback xmlns="">
           <p:sp>
             <p:nvSpPr>
               <p:cNvPr id="69" name="TextBox 68"/>
@@ -12901,8 +12819,8 @@
           </p:sp>
         </mc:Fallback>
       </mc:AlternateContent>
-      <mc:AlternateContent xmlns:mc="http://schemas.openxmlformats.org/markup-compatibility/2006">
-        <mc:Choice xmlns:a14="http://schemas.microsoft.com/office/drawing/2010/main" Requires="a14">
+      <mc:AlternateContent xmlns:mc="http://schemas.openxmlformats.org/markup-compatibility/2006" xmlns:a14="http://schemas.microsoft.com/office/drawing/2010/main">
+        <mc:Choice Requires="a14">
           <p:sp>
             <p:nvSpPr>
               <p:cNvPr id="70" name="TextBox 69"/>
@@ -12925,6 +12843,7 @@
               </a:bodyPr>
               <a:lstStyle/>
               <a:p>
+                <a:pPr/>
                 <a14:m>
                   <m:oMathPara xmlns:m="http://schemas.openxmlformats.org/officeDocument/2006/math">
                     <m:oMathParaPr>
@@ -12935,7 +12854,7 @@
                         <m:fPr>
                           <m:ctrlPr>
                             <a:rPr lang="en-US" sz="1400" b="0" i="1" smtClean="0">
-                              <a:latin typeface="Cambria Math" charset="0"/>
+                              <a:latin typeface="Cambria Math" panose="02040503050406030204" pitchFamily="18" charset="0"/>
                             </a:rPr>
                           </m:ctrlPr>
                         </m:fPr>
@@ -12970,7 +12889,7 @@
             </p:txBody>
           </p:sp>
         </mc:Choice>
-        <mc:Fallback>
+        <mc:Fallback xmlns="">
           <p:sp>
             <p:nvSpPr>
               <p:cNvPr id="70" name="TextBox 69"/>
@@ -13009,8 +12928,8 @@
           </p:sp>
         </mc:Fallback>
       </mc:AlternateContent>
-      <mc:AlternateContent xmlns:mc="http://schemas.openxmlformats.org/markup-compatibility/2006">
-        <mc:Choice xmlns:a14="http://schemas.microsoft.com/office/drawing/2010/main" Requires="a14">
+      <mc:AlternateContent xmlns:mc="http://schemas.openxmlformats.org/markup-compatibility/2006" xmlns:a14="http://schemas.microsoft.com/office/drawing/2010/main">
+        <mc:Choice Requires="a14">
           <p:sp>
             <p:nvSpPr>
               <p:cNvPr id="72" name="TextBox 71"/>
@@ -13033,6 +12952,7 @@
               </a:bodyPr>
               <a:lstStyle/>
               <a:p>
+                <a:pPr/>
                 <a14:m>
                   <m:oMathPara xmlns:m="http://schemas.openxmlformats.org/officeDocument/2006/math">
                     <m:oMathParaPr>
@@ -13043,7 +12963,7 @@
                         <m:fPr>
                           <m:ctrlPr>
                             <a:rPr lang="en-US" sz="1400" b="0" i="1" smtClean="0">
-                              <a:latin typeface="Cambria Math" charset="0"/>
+                              <a:latin typeface="Cambria Math" panose="02040503050406030204" pitchFamily="18" charset="0"/>
                             </a:rPr>
                           </m:ctrlPr>
                         </m:fPr>
@@ -13078,7 +12998,7 @@
             </p:txBody>
           </p:sp>
         </mc:Choice>
-        <mc:Fallback>
+        <mc:Fallback xmlns="">
           <p:sp>
             <p:nvSpPr>
               <p:cNvPr id="72" name="TextBox 71"/>
@@ -13117,8 +13037,8 @@
           </p:sp>
         </mc:Fallback>
       </mc:AlternateContent>
-      <mc:AlternateContent xmlns:mc="http://schemas.openxmlformats.org/markup-compatibility/2006">
-        <mc:Choice xmlns:a14="http://schemas.microsoft.com/office/drawing/2010/main" Requires="a14">
+      <mc:AlternateContent xmlns:mc="http://schemas.openxmlformats.org/markup-compatibility/2006" xmlns:a14="http://schemas.microsoft.com/office/drawing/2010/main">
+        <mc:Choice Requires="a14">
           <p:sp>
             <p:nvSpPr>
               <p:cNvPr id="74" name="TextBox 73"/>
@@ -13141,6 +13061,7 @@
               </a:bodyPr>
               <a:lstStyle/>
               <a:p>
+                <a:pPr/>
                 <a14:m>
                   <m:oMathPara xmlns:m="http://schemas.openxmlformats.org/officeDocument/2006/math">
                     <m:oMathParaPr>
@@ -13151,7 +13072,7 @@
                         <m:fPr>
                           <m:ctrlPr>
                             <a:rPr lang="en-US" sz="1400" b="0" i="1" smtClean="0">
-                              <a:latin typeface="Cambria Math" charset="0"/>
+                              <a:latin typeface="Cambria Math" panose="02040503050406030204" pitchFamily="18" charset="0"/>
                             </a:rPr>
                           </m:ctrlPr>
                         </m:fPr>
@@ -13186,7 +13107,7 @@
             </p:txBody>
           </p:sp>
         </mc:Choice>
-        <mc:Fallback>
+        <mc:Fallback xmlns="">
           <p:sp>
             <p:nvSpPr>
               <p:cNvPr id="74" name="TextBox 73"/>
@@ -13225,8 +13146,8 @@
           </p:sp>
         </mc:Fallback>
       </mc:AlternateContent>
-      <mc:AlternateContent xmlns:mc="http://schemas.openxmlformats.org/markup-compatibility/2006">
-        <mc:Choice xmlns:a14="http://schemas.microsoft.com/office/drawing/2010/main" Requires="a14">
+      <mc:AlternateContent xmlns:mc="http://schemas.openxmlformats.org/markup-compatibility/2006" xmlns:a14="http://schemas.microsoft.com/office/drawing/2010/main">
+        <mc:Choice Requires="a14">
           <p:sp>
             <p:nvSpPr>
               <p:cNvPr id="75" name="TextBox 74"/>
@@ -13249,6 +13170,7 @@
               </a:bodyPr>
               <a:lstStyle/>
               <a:p>
+                <a:pPr/>
                 <a14:m>
                   <m:oMathPara xmlns:m="http://schemas.openxmlformats.org/officeDocument/2006/math">
                     <m:oMathParaPr>
@@ -13259,7 +13181,7 @@
                         <m:fPr>
                           <m:ctrlPr>
                             <a:rPr lang="en-US" sz="1400" b="0" i="1" smtClean="0">
-                              <a:latin typeface="Cambria Math" charset="0"/>
+                              <a:latin typeface="Cambria Math" panose="02040503050406030204" pitchFamily="18" charset="0"/>
                             </a:rPr>
                           </m:ctrlPr>
                         </m:fPr>
@@ -13294,7 +13216,7 @@
             </p:txBody>
           </p:sp>
         </mc:Choice>
-        <mc:Fallback>
+        <mc:Fallback xmlns="">
           <p:sp>
             <p:nvSpPr>
               <p:cNvPr id="75" name="TextBox 74"/>
@@ -13333,8 +13255,8 @@
           </p:sp>
         </mc:Fallback>
       </mc:AlternateContent>
-      <mc:AlternateContent xmlns:mc="http://schemas.openxmlformats.org/markup-compatibility/2006">
-        <mc:Choice xmlns:a14="http://schemas.microsoft.com/office/drawing/2010/main" Requires="a14">
+      <mc:AlternateContent xmlns:mc="http://schemas.openxmlformats.org/markup-compatibility/2006" xmlns:a14="http://schemas.microsoft.com/office/drawing/2010/main">
+        <mc:Choice Requires="a14">
           <p:sp>
             <p:nvSpPr>
               <p:cNvPr id="76" name="TextBox 75"/>
@@ -13357,6 +13279,7 @@
               </a:bodyPr>
               <a:lstStyle/>
               <a:p>
+                <a:pPr/>
                 <a14:m>
                   <m:oMathPara xmlns:m="http://schemas.openxmlformats.org/officeDocument/2006/math">
                     <m:oMathParaPr>
@@ -13367,7 +13290,7 @@
                         <m:fPr>
                           <m:ctrlPr>
                             <a:rPr lang="en-US" sz="1400" b="0" i="1" smtClean="0">
-                              <a:latin typeface="Cambria Math" charset="0"/>
+                              <a:latin typeface="Cambria Math" panose="02040503050406030204" pitchFamily="18" charset="0"/>
                             </a:rPr>
                           </m:ctrlPr>
                         </m:fPr>
@@ -13402,7 +13325,7 @@
             </p:txBody>
           </p:sp>
         </mc:Choice>
-        <mc:Fallback>
+        <mc:Fallback xmlns="">
           <p:sp>
             <p:nvSpPr>
               <p:cNvPr id="76" name="TextBox 75"/>
@@ -13441,8 +13364,8 @@
           </p:sp>
         </mc:Fallback>
       </mc:AlternateContent>
-      <mc:AlternateContent xmlns:mc="http://schemas.openxmlformats.org/markup-compatibility/2006">
-        <mc:Choice xmlns:a14="http://schemas.microsoft.com/office/drawing/2010/main" Requires="a14">
+      <mc:AlternateContent xmlns:mc="http://schemas.openxmlformats.org/markup-compatibility/2006" xmlns:a14="http://schemas.microsoft.com/office/drawing/2010/main">
+        <mc:Choice Requires="a14">
           <p:sp>
             <p:nvSpPr>
               <p:cNvPr id="77" name="TextBox 76"/>
@@ -13465,6 +13388,7 @@
               </a:bodyPr>
               <a:lstStyle/>
               <a:p>
+                <a:pPr/>
                 <a14:m>
                   <m:oMathPara xmlns:m="http://schemas.openxmlformats.org/officeDocument/2006/math">
                     <m:oMathParaPr>
@@ -13475,7 +13399,7 @@
                         <m:fPr>
                           <m:ctrlPr>
                             <a:rPr lang="en-US" sz="1400" b="0" i="1" smtClean="0">
-                              <a:latin typeface="Cambria Math" charset="0"/>
+                              <a:latin typeface="Cambria Math" panose="02040503050406030204" pitchFamily="18" charset="0"/>
                             </a:rPr>
                           </m:ctrlPr>
                         </m:fPr>
@@ -13510,7 +13434,7 @@
             </p:txBody>
           </p:sp>
         </mc:Choice>
-        <mc:Fallback>
+        <mc:Fallback xmlns="">
           <p:sp>
             <p:nvSpPr>
               <p:cNvPr id="77" name="TextBox 76"/>
@@ -13572,10 +13496,9 @@
           <a:lstStyle/>
           <a:p>
             <a:r>
-              <a:rPr lang="en-US" smtClean="0"/>
+              <a:rPr lang="en-US"/>
               <a:t>Day 0</a:t>
             </a:r>
-            <a:endParaRPr lang="en-US"/>
           </a:p>
         </p:txBody>
       </p:sp>
@@ -13602,10 +13525,9 @@
           <a:lstStyle/>
           <a:p>
             <a:r>
-              <a:rPr lang="en-US" smtClean="0"/>
+              <a:rPr lang="en-US"/>
               <a:t>Day 4</a:t>
             </a:r>
-            <a:endParaRPr lang="en-US"/>
           </a:p>
         </p:txBody>
       </p:sp>
@@ -13632,15 +13554,14 @@
           <a:lstStyle/>
           <a:p>
             <a:r>
-              <a:rPr lang="en-US" dirty="0" smtClean="0"/>
+              <a:rPr lang="en-US" dirty="0"/>
               <a:t>Day 10</a:t>
             </a:r>
-            <a:endParaRPr lang="en-US" dirty="0"/>
-          </a:p>
-        </p:txBody>
-      </p:sp>
-      <mc:AlternateContent xmlns:mc="http://schemas.openxmlformats.org/markup-compatibility/2006">
-        <mc:Choice xmlns:a14="http://schemas.microsoft.com/office/drawing/2010/main" Requires="a14">
+          </a:p>
+        </p:txBody>
+      </p:sp>
+      <mc:AlternateContent xmlns:mc="http://schemas.openxmlformats.org/markup-compatibility/2006" xmlns:a14="http://schemas.microsoft.com/office/drawing/2010/main">
+        <mc:Choice Requires="a14">
           <p:sp>
             <p:nvSpPr>
               <p:cNvPr id="78" name="TextBox 77"/>
@@ -13663,6 +13584,7 @@
               </a:bodyPr>
               <a:lstStyle/>
               <a:p>
+                <a:pPr/>
                 <a14:m>
                   <m:oMathPara xmlns:m="http://schemas.openxmlformats.org/officeDocument/2006/math">
                     <m:oMathParaPr>
@@ -13676,7 +13598,7 @@
                               <a:solidFill>
                                 <a:schemeClr val="accent6"/>
                               </a:solidFill>
-                              <a:latin typeface="Cambria Math" charset="0"/>
+                              <a:latin typeface="Cambria Math" panose="02040503050406030204" pitchFamily="18" charset="0"/>
                             </a:rPr>
                           </m:ctrlPr>
                         </m:dPr>
@@ -13688,7 +13610,7 @@
                                   <a:solidFill>
                                     <a:schemeClr val="accent6"/>
                                   </a:solidFill>
-                                  <a:latin typeface="Cambria Math" charset="0"/>
+                                  <a:latin typeface="Cambria Math" panose="02040503050406030204" pitchFamily="18" charset="0"/>
                                 </a:rPr>
                               </m:ctrlPr>
                             </m:fPr>
@@ -13731,7 +13653,7 @@
                                   <a:solidFill>
                                     <a:schemeClr val="accent6"/>
                                   </a:solidFill>
-                                  <a:latin typeface="Cambria Math" charset="0"/>
+                                  <a:latin typeface="Cambria Math" panose="02040503050406030204" pitchFamily="18" charset="0"/>
                                 </a:rPr>
                               </m:ctrlPr>
                             </m:fPr>
@@ -13781,7 +13703,7 @@
             </p:txBody>
           </p:sp>
         </mc:Choice>
-        <mc:Fallback>
+        <mc:Fallback xmlns="">
           <p:sp>
             <p:nvSpPr>
               <p:cNvPr id="78" name="TextBox 77"/>
@@ -13820,8 +13742,8 @@
           </p:sp>
         </mc:Fallback>
       </mc:AlternateContent>
-      <mc:AlternateContent xmlns:mc="http://schemas.openxmlformats.org/markup-compatibility/2006">
-        <mc:Choice xmlns:a14="http://schemas.microsoft.com/office/drawing/2010/main" Requires="a14">
+      <mc:AlternateContent xmlns:mc="http://schemas.openxmlformats.org/markup-compatibility/2006" xmlns:a14="http://schemas.microsoft.com/office/drawing/2010/main">
+        <mc:Choice Requires="a14">
           <p:sp>
             <p:nvSpPr>
               <p:cNvPr id="79" name="TextBox 78"/>
@@ -13844,6 +13766,7 @@
               </a:bodyPr>
               <a:lstStyle/>
               <a:p>
+                <a:pPr/>
                 <a14:m>
                   <m:oMathPara xmlns:m="http://schemas.openxmlformats.org/officeDocument/2006/math">
                     <m:oMathParaPr>
@@ -13857,7 +13780,7 @@
                               <a:solidFill>
                                 <a:schemeClr val="accent4"/>
                               </a:solidFill>
-                              <a:latin typeface="Cambria Math" charset="0"/>
+                              <a:latin typeface="Cambria Math" panose="02040503050406030204" pitchFamily="18" charset="0"/>
                             </a:rPr>
                           </m:ctrlPr>
                         </m:dPr>
@@ -13869,7 +13792,7 @@
                                   <a:solidFill>
                                     <a:schemeClr val="accent4"/>
                                   </a:solidFill>
-                                  <a:latin typeface="Cambria Math" charset="0"/>
+                                  <a:latin typeface="Cambria Math" panose="02040503050406030204" pitchFamily="18" charset="0"/>
                                 </a:rPr>
                               </m:ctrlPr>
                             </m:fPr>
@@ -13912,7 +13835,7 @@
                                   <a:solidFill>
                                     <a:schemeClr val="accent4"/>
                                   </a:solidFill>
-                                  <a:latin typeface="Cambria Math" charset="0"/>
+                                  <a:latin typeface="Cambria Math" panose="02040503050406030204" pitchFamily="18" charset="0"/>
                                 </a:rPr>
                               </m:ctrlPr>
                             </m:fPr>
@@ -13962,7 +13885,7 @@
             </p:txBody>
           </p:sp>
         </mc:Choice>
-        <mc:Fallback>
+        <mc:Fallback xmlns="">
           <p:sp>
             <p:nvSpPr>
               <p:cNvPr id="79" name="TextBox 78"/>
@@ -14001,8 +13924,8 @@
           </p:sp>
         </mc:Fallback>
       </mc:AlternateContent>
-      <mc:AlternateContent xmlns:mc="http://schemas.openxmlformats.org/markup-compatibility/2006">
-        <mc:Choice xmlns:a14="http://schemas.microsoft.com/office/drawing/2010/main" Requires="a14">
+      <mc:AlternateContent xmlns:mc="http://schemas.openxmlformats.org/markup-compatibility/2006" xmlns:a14="http://schemas.microsoft.com/office/drawing/2010/main">
+        <mc:Choice Requires="a14">
           <p:sp>
             <p:nvSpPr>
               <p:cNvPr id="80" name="TextBox 79"/>
@@ -14025,6 +13948,7 @@
               </a:bodyPr>
               <a:lstStyle/>
               <a:p>
+                <a:pPr/>
                 <a14:m>
                   <m:oMathPara xmlns:m="http://schemas.openxmlformats.org/officeDocument/2006/math">
                     <m:oMathParaPr>
@@ -14038,7 +13962,7 @@
                               <a:solidFill>
                                 <a:schemeClr val="accent2"/>
                               </a:solidFill>
-                              <a:latin typeface="Cambria Math" charset="0"/>
+                              <a:latin typeface="Cambria Math" panose="02040503050406030204" pitchFamily="18" charset="0"/>
                             </a:rPr>
                           </m:ctrlPr>
                         </m:dPr>
@@ -14050,7 +13974,7 @@
                                   <a:solidFill>
                                     <a:schemeClr val="accent2"/>
                                   </a:solidFill>
-                                  <a:latin typeface="Cambria Math" charset="0"/>
+                                  <a:latin typeface="Cambria Math" panose="02040503050406030204" pitchFamily="18" charset="0"/>
                                 </a:rPr>
                               </m:ctrlPr>
                             </m:fPr>
@@ -14093,7 +14017,7 @@
                                   <a:solidFill>
                                     <a:schemeClr val="accent2"/>
                                   </a:solidFill>
-                                  <a:latin typeface="Cambria Math" charset="0"/>
+                                  <a:latin typeface="Cambria Math" panose="02040503050406030204" pitchFamily="18" charset="0"/>
                                 </a:rPr>
                               </m:ctrlPr>
                             </m:fPr>
@@ -14143,7 +14067,7 @@
             </p:txBody>
           </p:sp>
         </mc:Choice>
-        <mc:Fallback>
+        <mc:Fallback xmlns="">
           <p:sp>
             <p:nvSpPr>
               <p:cNvPr id="80" name="TextBox 79"/>
@@ -14182,8 +14106,8 @@
           </p:sp>
         </mc:Fallback>
       </mc:AlternateContent>
-      <mc:AlternateContent xmlns:mc="http://schemas.openxmlformats.org/markup-compatibility/2006">
-        <mc:Choice xmlns:a14="http://schemas.microsoft.com/office/drawing/2010/main" Requires="a14">
+      <mc:AlternateContent xmlns:mc="http://schemas.openxmlformats.org/markup-compatibility/2006" xmlns:a14="http://schemas.microsoft.com/office/drawing/2010/main">
+        <mc:Choice Requires="a14">
           <p:sp>
             <p:nvSpPr>
               <p:cNvPr id="81" name="TextBox 80"/>
@@ -14206,6 +14130,7 @@
               </a:bodyPr>
               <a:lstStyle/>
               <a:p>
+                <a:pPr/>
                 <a14:m>
                   <m:oMathPara xmlns:m="http://schemas.openxmlformats.org/officeDocument/2006/math">
                     <m:oMathParaPr>
@@ -14219,7 +14144,7 @@
                               <a:solidFill>
                                 <a:srgbClr val="C00000"/>
                               </a:solidFill>
-                              <a:latin typeface="Cambria Math" charset="0"/>
+                              <a:latin typeface="Cambria Math" panose="02040503050406030204" pitchFamily="18" charset="0"/>
                             </a:rPr>
                           </m:ctrlPr>
                         </m:dPr>
@@ -14231,7 +14156,7 @@
                                   <a:solidFill>
                                     <a:srgbClr val="C00000"/>
                                   </a:solidFill>
-                                  <a:latin typeface="Cambria Math" charset="0"/>
+                                  <a:latin typeface="Cambria Math" panose="02040503050406030204" pitchFamily="18" charset="0"/>
                                 </a:rPr>
                               </m:ctrlPr>
                             </m:fPr>
@@ -14274,7 +14199,7 @@
                                   <a:solidFill>
                                     <a:srgbClr val="C00000"/>
                                   </a:solidFill>
-                                  <a:latin typeface="Cambria Math" charset="0"/>
+                                  <a:latin typeface="Cambria Math" panose="02040503050406030204" pitchFamily="18" charset="0"/>
                                 </a:rPr>
                               </m:ctrlPr>
                             </m:fPr>
@@ -14324,7 +14249,7 @@
             </p:txBody>
           </p:sp>
         </mc:Choice>
-        <mc:Fallback>
+        <mc:Fallback xmlns="">
           <p:sp>
             <p:nvSpPr>
               <p:cNvPr id="81" name="TextBox 80"/>
@@ -14363,8 +14288,8 @@
           </p:sp>
         </mc:Fallback>
       </mc:AlternateContent>
-      <mc:AlternateContent xmlns:mc="http://schemas.openxmlformats.org/markup-compatibility/2006">
-        <mc:Choice xmlns:a14="http://schemas.microsoft.com/office/drawing/2010/main" Requires="a14">
+      <mc:AlternateContent xmlns:mc="http://schemas.openxmlformats.org/markup-compatibility/2006" xmlns:a14="http://schemas.microsoft.com/office/drawing/2010/main">
+        <mc:Choice Requires="a14">
           <p:sp>
             <p:nvSpPr>
               <p:cNvPr id="82" name="TextBox 81"/>
@@ -14387,6 +14312,7 @@
               </a:bodyPr>
               <a:lstStyle/>
               <a:p>
+                <a:pPr/>
                 <a14:m>
                   <m:oMathPara xmlns:m="http://schemas.openxmlformats.org/officeDocument/2006/math">
                     <m:oMathParaPr>
@@ -14400,7 +14326,7 @@
                               <a:solidFill>
                                 <a:srgbClr val="0070C0"/>
                               </a:solidFill>
-                              <a:latin typeface="Cambria Math" charset="0"/>
+                              <a:latin typeface="Cambria Math" panose="02040503050406030204" pitchFamily="18" charset="0"/>
                             </a:rPr>
                           </m:ctrlPr>
                         </m:dPr>
@@ -14412,7 +14338,7 @@
                                   <a:solidFill>
                                     <a:srgbClr val="0070C0"/>
                                   </a:solidFill>
-                                  <a:latin typeface="Cambria Math" charset="0"/>
+                                  <a:latin typeface="Cambria Math" panose="02040503050406030204" pitchFamily="18" charset="0"/>
                                 </a:rPr>
                               </m:ctrlPr>
                             </m:fPr>
@@ -14455,7 +14381,7 @@
                                   <a:solidFill>
                                     <a:srgbClr val="0070C0"/>
                                   </a:solidFill>
-                                  <a:latin typeface="Cambria Math" charset="0"/>
+                                  <a:latin typeface="Cambria Math" panose="02040503050406030204" pitchFamily="18" charset="0"/>
                                 </a:rPr>
                               </m:ctrlPr>
                             </m:fPr>
@@ -14501,7 +14427,7 @@
             </p:txBody>
           </p:sp>
         </mc:Choice>
-        <mc:Fallback>
+        <mc:Fallback xmlns="">
           <p:sp>
             <p:nvSpPr>
               <p:cNvPr id="82" name="TextBox 81"/>
@@ -14593,10 +14519,9 @@
           <a:lstStyle/>
           <a:p>
             <a:r>
-              <a:rPr lang="en-US" sz="2400" b="1" dirty="0" smtClean="0"/>
+              <a:rPr lang="en-US" sz="2400" b="1" dirty="0"/>
               <a:t>Paired (binary)</a:t>
             </a:r>
-            <a:endParaRPr lang="en-US" sz="2400" b="1" dirty="0"/>
           </a:p>
         </p:txBody>
       </p:sp>
@@ -14623,7 +14548,7 @@
           <a:lstStyle/>
           <a:p>
             <a:r>
-              <a:rPr lang="en-US" dirty="0" smtClean="0"/>
+              <a:rPr lang="en-US" dirty="0"/>
               <a:t>Idea: </a:t>
             </a:r>
           </a:p>
@@ -14633,7 +14558,7 @@
               <a:buChar char="•"/>
             </a:pPr>
             <a:r>
-              <a:rPr lang="en-US" dirty="0" smtClean="0"/>
+              <a:rPr lang="en-US" dirty="0"/>
               <a:t>Two time points (or matched groups)</a:t>
             </a:r>
           </a:p>
@@ -14643,7 +14568,7 @@
               <a:buChar char="•"/>
             </a:pPr>
             <a:r>
-              <a:rPr lang="en-US" dirty="0" smtClean="0"/>
+              <a:rPr lang="en-US" dirty="0"/>
               <a:t>Direction of change matters (in this case, taxon gain or loss between time points) </a:t>
             </a:r>
           </a:p>
@@ -14746,7 +14671,7 @@
         </p:nvSpPr>
         <p:spPr>
           <a:xfrm rot="5400000">
-            <a:off x="8944342" y="1354575"/>
+            <a:off x="8929594" y="1354575"/>
             <a:ext cx="347472" cy="3200400"/>
           </a:xfrm>
           <a:prstGeom prst="rect">
@@ -14835,7 +14760,7 @@
         </p:nvSpPr>
         <p:spPr>
           <a:xfrm rot="5400000">
-            <a:off x="5746225" y="2407193"/>
+            <a:off x="5731477" y="2407193"/>
             <a:ext cx="342901" cy="4114800"/>
           </a:xfrm>
           <a:prstGeom prst="rect">
@@ -14881,7 +14806,7 @@
         </p:nvSpPr>
         <p:spPr>
           <a:xfrm rot="5400000">
-            <a:off x="8946626" y="3321593"/>
+            <a:off x="8931878" y="3321593"/>
             <a:ext cx="342901" cy="2286000"/>
           </a:xfrm>
           <a:prstGeom prst="rect">
@@ -14927,7 +14852,7 @@
         </p:nvSpPr>
         <p:spPr>
           <a:xfrm rot="5400000">
-            <a:off x="10318227" y="4235993"/>
+            <a:off x="10303479" y="4235993"/>
             <a:ext cx="342901" cy="457200"/>
           </a:xfrm>
           <a:prstGeom prst="rect">
@@ -14991,7 +14916,7 @@
           <a:lstStyle/>
           <a:p>
             <a:r>
-              <a:rPr lang="en-US" smtClean="0"/>
+              <a:rPr lang="en-US"/>
               <a:t>0.2</a:t>
             </a:r>
             <a:endParaRPr lang="en-US" dirty="0"/>
@@ -15024,10 +14949,9 @@
           <a:lstStyle/>
           <a:p>
             <a:r>
-              <a:rPr lang="en-US" dirty="0" smtClean="0"/>
+              <a:rPr lang="en-US" dirty="0"/>
               <a:t>0.35</a:t>
             </a:r>
-            <a:endParaRPr lang="en-US" dirty="0"/>
           </a:p>
         </p:txBody>
       </p:sp>
@@ -15057,10 +14981,9 @@
           <a:lstStyle/>
           <a:p>
             <a:r>
-              <a:rPr lang="en-US" dirty="0" smtClean="0"/>
+              <a:rPr lang="en-US" dirty="0"/>
               <a:t>0.35</a:t>
             </a:r>
-            <a:endParaRPr lang="en-US" dirty="0"/>
           </a:p>
         </p:txBody>
       </p:sp>
@@ -15090,7 +15013,7 @@
           <a:lstStyle/>
           <a:p>
             <a:r>
-              <a:rPr lang="en-US" smtClean="0"/>
+              <a:rPr lang="en-US"/>
               <a:t>0.25</a:t>
             </a:r>
             <a:endParaRPr lang="en-US" dirty="0"/>
@@ -15123,10 +15046,9 @@
           <a:lstStyle/>
           <a:p>
             <a:r>
-              <a:rPr lang="en-US" dirty="0" smtClean="0"/>
+              <a:rPr lang="en-US" dirty="0"/>
               <a:t>0.45</a:t>
             </a:r>
-            <a:endParaRPr lang="en-US" dirty="0"/>
           </a:p>
         </p:txBody>
       </p:sp>
@@ -15156,7 +15078,7 @@
           <a:lstStyle/>
           <a:p>
             <a:r>
-              <a:rPr lang="en-US" smtClean="0"/>
+              <a:rPr lang="en-US"/>
               <a:t>0.25</a:t>
             </a:r>
             <a:endParaRPr lang="en-US" dirty="0"/>
@@ -15171,7 +15093,7 @@
         </p:nvSpPr>
         <p:spPr>
           <a:xfrm>
-            <a:off x="10192961" y="4279927"/>
+            <a:off x="10178213" y="4279927"/>
             <a:ext cx="593432" cy="369332"/>
           </a:xfrm>
           <a:prstGeom prst="rect">
@@ -15189,7 +15111,7 @@
           <a:lstStyle/>
           <a:p>
             <a:r>
-              <a:rPr lang="en-US" dirty="0" smtClean="0"/>
+              <a:rPr lang="en-US" dirty="0"/>
               <a:t>0.05</a:t>
             </a:r>
           </a:p>
@@ -15267,7 +15189,7 @@
           <a:lstStyle/>
           <a:p>
             <a:r>
-              <a:rPr lang="en-US" smtClean="0"/>
+              <a:rPr lang="en-US"/>
               <a:t>0.1</a:t>
             </a:r>
           </a:p>
@@ -15281,7 +15203,7 @@
         </p:nvCxnSpPr>
         <p:spPr>
           <a:xfrm flipH="1">
-            <a:off x="1567206" y="3118765"/>
+            <a:off x="1581954" y="3118765"/>
             <a:ext cx="3346" cy="1162563"/>
           </a:xfrm>
           <a:prstGeom prst="line">
@@ -15311,7 +15233,7 @@
         </p:nvCxnSpPr>
         <p:spPr>
           <a:xfrm>
-            <a:off x="3384954" y="3118765"/>
+            <a:off x="3370206" y="3118765"/>
             <a:ext cx="471599" cy="1169583"/>
           </a:xfrm>
           <a:prstGeom prst="line">
@@ -15341,7 +15263,7 @@
         </p:nvCxnSpPr>
         <p:spPr>
           <a:xfrm flipH="1">
-            <a:off x="3864666" y="3141602"/>
+            <a:off x="3849918" y="3141602"/>
             <a:ext cx="436631" cy="1155835"/>
           </a:xfrm>
           <a:prstGeom prst="line">
@@ -15446,10 +15368,9 @@
           <a:lstStyle/>
           <a:p>
             <a:r>
-              <a:rPr lang="en-US" dirty="0" smtClean="0"/>
+              <a:rPr lang="en-US" dirty="0"/>
               <a:t>0</a:t>
             </a:r>
-            <a:endParaRPr lang="en-US" dirty="0"/>
           </a:p>
         </p:txBody>
       </p:sp>
@@ -15506,10 +15427,9 @@
           <a:lstStyle/>
           <a:p>
             <a:r>
-              <a:rPr lang="en-US" dirty="0" smtClean="0"/>
+              <a:rPr lang="en-US" dirty="0"/>
               <a:t>1</a:t>
             </a:r>
-            <a:endParaRPr lang="en-US" dirty="0"/>
           </a:p>
         </p:txBody>
       </p:sp>
@@ -15536,10 +15456,9 @@
           <a:lstStyle/>
           <a:p>
             <a:r>
-              <a:rPr lang="en-US" dirty="0" smtClean="0"/>
+              <a:rPr lang="en-US" dirty="0"/>
               <a:t>0</a:t>
             </a:r>
-            <a:endParaRPr lang="en-US" dirty="0"/>
           </a:p>
         </p:txBody>
       </p:sp>
@@ -15566,10 +15485,9 @@
           <a:lstStyle/>
           <a:p>
             <a:r>
-              <a:rPr lang="en-US" dirty="0" smtClean="0"/>
+              <a:rPr lang="en-US" dirty="0"/>
               <a:t>-1</a:t>
             </a:r>
-            <a:endParaRPr lang="en-US" dirty="0"/>
           </a:p>
         </p:txBody>
       </p:sp>
@@ -15596,10 +15514,9 @@
           <a:lstStyle/>
           <a:p>
             <a:r>
-              <a:rPr lang="en-US" dirty="0" smtClean="0"/>
+              <a:rPr lang="en-US" dirty="0"/>
               <a:t>0</a:t>
             </a:r>
-            <a:endParaRPr lang="en-US" dirty="0"/>
           </a:p>
         </p:txBody>
       </p:sp>
@@ -15702,10 +15619,9 @@
           <a:lstStyle/>
           <a:p>
             <a:r>
-              <a:rPr lang="en-US" sz="2400" b="1" dirty="0" smtClean="0"/>
+              <a:rPr lang="en-US" sz="2400" b="1" dirty="0"/>
               <a:t>Longitudinal (binary)</a:t>
             </a:r>
-            <a:endParaRPr lang="en-US" sz="2400" b="1" dirty="0"/>
           </a:p>
         </p:txBody>
       </p:sp>
@@ -15732,7 +15648,7 @@
           <a:lstStyle/>
           <a:p>
             <a:r>
-              <a:rPr lang="en-US" dirty="0" smtClean="0"/>
+              <a:rPr lang="en-US" dirty="0"/>
               <a:t>Idea: </a:t>
             </a:r>
           </a:p>
@@ -15742,15 +15658,15 @@
               <a:buChar char="•"/>
             </a:pPr>
             <a:r>
-              <a:rPr lang="en-US" dirty="0" smtClean="0"/>
+              <a:rPr lang="en-US" dirty="0"/>
               <a:t>&gt;2 time points (could also be used for 2 time points</a:t>
             </a:r>
             <a:r>
-              <a:rPr lang="mr-IN" dirty="0" smtClean="0"/>
+              <a:rPr lang="mr-IN" dirty="0"/>
               <a:t>…</a:t>
             </a:r>
             <a:r>
-              <a:rPr lang="en-US" dirty="0" smtClean="0"/>
+              <a:rPr lang="en-US" dirty="0"/>
               <a:t>) </a:t>
             </a:r>
           </a:p>
@@ -15760,14 +15676,13 @@
               <a:buChar char="•"/>
             </a:pPr>
             <a:r>
-              <a:rPr lang="en-US" dirty="0" smtClean="0"/>
+              <a:rPr lang="en-US" dirty="0"/>
               <a:t>Direction of change </a:t>
             </a:r>
             <a:r>
-              <a:rPr lang="en-US" b="1" dirty="0" smtClean="0"/>
+              <a:rPr lang="en-US" b="1" dirty="0"/>
               <a:t>does not matter</a:t>
             </a:r>
-            <a:endParaRPr lang="en-US" b="1" dirty="0" smtClean="0"/>
           </a:p>
         </p:txBody>
       </p:sp>
@@ -15779,7 +15694,7 @@
         </p:nvSpPr>
         <p:spPr>
           <a:xfrm rot="5400000">
-            <a:off x="2313852" y="1830307"/>
+            <a:off x="2299104" y="1830307"/>
             <a:ext cx="347472" cy="1828800"/>
           </a:xfrm>
           <a:prstGeom prst="rect">
@@ -15957,7 +15872,7 @@
         </p:nvSpPr>
         <p:spPr>
           <a:xfrm rot="5400000">
-            <a:off x="5746225" y="2197125"/>
+            <a:off x="5731477" y="2197125"/>
             <a:ext cx="342901" cy="4114800"/>
           </a:xfrm>
           <a:prstGeom prst="rect">
@@ -16003,7 +15918,7 @@
         </p:nvSpPr>
         <p:spPr>
           <a:xfrm rot="5400000">
-            <a:off x="8946626" y="3111525"/>
+            <a:off x="8931878" y="3111525"/>
             <a:ext cx="342901" cy="2286000"/>
           </a:xfrm>
           <a:prstGeom prst="rect">
@@ -16049,7 +15964,7 @@
         </p:nvSpPr>
         <p:spPr>
           <a:xfrm rot="5400000">
-            <a:off x="10318227" y="4025925"/>
+            <a:off x="10303479" y="4025925"/>
             <a:ext cx="342901" cy="457200"/>
           </a:xfrm>
           <a:prstGeom prst="rect">
@@ -16113,7 +16028,7 @@
           <a:lstStyle/>
           <a:p>
             <a:r>
-              <a:rPr lang="en-US" smtClean="0"/>
+              <a:rPr lang="en-US"/>
               <a:t>0.2</a:t>
             </a:r>
             <a:endParaRPr lang="en-US" dirty="0"/>
@@ -16146,10 +16061,9 @@
           <a:lstStyle/>
           <a:p>
             <a:r>
-              <a:rPr lang="en-US" dirty="0" smtClean="0"/>
+              <a:rPr lang="en-US" dirty="0"/>
               <a:t>0.35</a:t>
             </a:r>
-            <a:endParaRPr lang="en-US" dirty="0"/>
           </a:p>
         </p:txBody>
       </p:sp>
@@ -16179,10 +16093,9 @@
           <a:lstStyle/>
           <a:p>
             <a:r>
-              <a:rPr lang="en-US" dirty="0" smtClean="0"/>
+              <a:rPr lang="en-US" dirty="0"/>
               <a:t>0.35</a:t>
             </a:r>
-            <a:endParaRPr lang="en-US" dirty="0"/>
           </a:p>
         </p:txBody>
       </p:sp>
@@ -16212,7 +16125,7 @@
           <a:lstStyle/>
           <a:p>
             <a:r>
-              <a:rPr lang="en-US" smtClean="0"/>
+              <a:rPr lang="en-US"/>
               <a:t>0.25</a:t>
             </a:r>
             <a:endParaRPr lang="en-US" dirty="0"/>
@@ -16245,10 +16158,9 @@
           <a:lstStyle/>
           <a:p>
             <a:r>
-              <a:rPr lang="en-US" dirty="0" smtClean="0"/>
+              <a:rPr lang="en-US" dirty="0"/>
               <a:t>0.45</a:t>
             </a:r>
-            <a:endParaRPr lang="en-US" dirty="0"/>
           </a:p>
         </p:txBody>
       </p:sp>
@@ -16278,7 +16190,7 @@
           <a:lstStyle/>
           <a:p>
             <a:r>
-              <a:rPr lang="en-US" smtClean="0"/>
+              <a:rPr lang="en-US"/>
               <a:t>0.25</a:t>
             </a:r>
             <a:endParaRPr lang="en-US" dirty="0"/>
@@ -16293,7 +16205,7 @@
         </p:nvSpPr>
         <p:spPr>
           <a:xfrm>
-            <a:off x="10192961" y="4069859"/>
+            <a:off x="10178213" y="4069859"/>
             <a:ext cx="593432" cy="369332"/>
           </a:xfrm>
           <a:prstGeom prst="rect">
@@ -16311,7 +16223,7 @@
           <a:lstStyle/>
           <a:p>
             <a:r>
-              <a:rPr lang="en-US" dirty="0" smtClean="0"/>
+              <a:rPr lang="en-US" dirty="0"/>
               <a:t>0.05</a:t>
             </a:r>
           </a:p>
@@ -16389,7 +16301,7 @@
           <a:lstStyle/>
           <a:p>
             <a:r>
-              <a:rPr lang="en-US" smtClean="0"/>
+              <a:rPr lang="en-US"/>
               <a:t>0.1</a:t>
             </a:r>
           </a:p>
@@ -16433,8 +16345,8 @@
         </p:nvCxnSpPr>
         <p:spPr>
           <a:xfrm>
-            <a:off x="3384954" y="2896341"/>
-            <a:ext cx="471599" cy="1169583"/>
+            <a:off x="3370206" y="2911089"/>
+            <a:ext cx="438912" cy="1169583"/>
           </a:xfrm>
           <a:prstGeom prst="line">
             <a:avLst/>
@@ -16463,7 +16375,7 @@
         </p:nvCxnSpPr>
         <p:spPr>
           <a:xfrm flipH="1">
-            <a:off x="3864666" y="2919178"/>
+            <a:off x="3849918" y="2919178"/>
             <a:ext cx="436631" cy="1155835"/>
           </a:xfrm>
           <a:prstGeom prst="line">
@@ -16568,10 +16480,9 @@
           <a:lstStyle/>
           <a:p>
             <a:r>
-              <a:rPr lang="en-US" dirty="0" smtClean="0"/>
+              <a:rPr lang="en-US" dirty="0"/>
               <a:t>0</a:t>
             </a:r>
-            <a:endParaRPr lang="en-US" dirty="0"/>
           </a:p>
         </p:txBody>
       </p:sp>
@@ -16583,7 +16494,7 @@
         </p:nvCxnSpPr>
         <p:spPr>
           <a:xfrm flipH="1">
-            <a:off x="10261077" y="2917017"/>
+            <a:off x="10246329" y="2917017"/>
             <a:ext cx="434243" cy="1149348"/>
           </a:xfrm>
           <a:prstGeom prst="line">
@@ -16628,10 +16539,9 @@
           <a:lstStyle/>
           <a:p>
             <a:r>
-              <a:rPr lang="en-US" dirty="0" smtClean="0"/>
+              <a:rPr lang="en-US" dirty="0"/>
               <a:t>1</a:t>
             </a:r>
-            <a:endParaRPr lang="en-US" dirty="0"/>
           </a:p>
         </p:txBody>
       </p:sp>
@@ -16658,10 +16568,9 @@
           <a:lstStyle/>
           <a:p>
             <a:r>
-              <a:rPr lang="en-US" dirty="0" smtClean="0"/>
+              <a:rPr lang="en-US" dirty="0"/>
               <a:t>0</a:t>
             </a:r>
-            <a:endParaRPr lang="en-US" dirty="0"/>
           </a:p>
         </p:txBody>
       </p:sp>
@@ -16688,10 +16597,9 @@
           <a:lstStyle/>
           <a:p>
             <a:r>
-              <a:rPr lang="en-US" dirty="0" smtClean="0"/>
+              <a:rPr lang="en-US" dirty="0"/>
               <a:t>1</a:t>
             </a:r>
-            <a:endParaRPr lang="en-US" dirty="0"/>
           </a:p>
         </p:txBody>
       </p:sp>
@@ -16718,10 +16626,9 @@
           <a:lstStyle/>
           <a:p>
             <a:r>
-              <a:rPr lang="en-US" dirty="0" smtClean="0"/>
+              <a:rPr lang="en-US" dirty="0"/>
               <a:t>0</a:t>
             </a:r>
-            <a:endParaRPr lang="en-US" dirty="0"/>
           </a:p>
         </p:txBody>
       </p:sp>
@@ -16932,10 +16839,9 @@
           <a:lstStyle/>
           <a:p>
             <a:r>
-              <a:rPr lang="en-US" dirty="0" smtClean="0"/>
+              <a:rPr lang="en-US" dirty="0"/>
               <a:t>0.2</a:t>
             </a:r>
-            <a:endParaRPr lang="en-US" dirty="0"/>
           </a:p>
         </p:txBody>
       </p:sp>
@@ -16965,10 +16871,9 @@
           <a:lstStyle/>
           <a:p>
             <a:r>
-              <a:rPr lang="en-US" dirty="0" smtClean="0"/>
+              <a:rPr lang="en-US" dirty="0"/>
               <a:t>0.35</a:t>
             </a:r>
-            <a:endParaRPr lang="en-US" dirty="0"/>
           </a:p>
         </p:txBody>
       </p:sp>
@@ -16998,7 +16903,7 @@
           <a:lstStyle/>
           <a:p>
             <a:r>
-              <a:rPr lang="en-US" dirty="0" smtClean="0"/>
+              <a:rPr lang="en-US" dirty="0"/>
               <a:t>0.2</a:t>
             </a:r>
           </a:p>
@@ -17030,10 +16935,10 @@
           <a:lstStyle/>
           <a:p>
             <a:r>
-              <a:rPr lang="en-US" smtClean="0"/>
+              <a:rPr lang="en-US"/>
               <a:t>0.1</a:t>
             </a:r>
-            <a:endParaRPr lang="en-US" dirty="0" smtClean="0"/>
+            <a:endParaRPr lang="en-US" dirty="0"/>
           </a:p>
         </p:txBody>
       </p:sp>
@@ -17109,7 +17014,7 @@
           <a:lstStyle/>
           <a:p>
             <a:r>
-              <a:rPr lang="en-US" dirty="0" smtClean="0"/>
+              <a:rPr lang="en-US" dirty="0"/>
               <a:t>0.05</a:t>
             </a:r>
           </a:p>
@@ -17141,7 +17046,7 @@
           <a:lstStyle/>
           <a:p>
             <a:r>
-              <a:rPr lang="en-US" dirty="0" smtClean="0"/>
+              <a:rPr lang="en-US" dirty="0"/>
               <a:t>0.05</a:t>
             </a:r>
           </a:p>
@@ -17219,7 +17124,7 @@
           <a:lstStyle/>
           <a:p>
             <a:r>
-              <a:rPr lang="en-US" dirty="0" smtClean="0"/>
+              <a:rPr lang="en-US" dirty="0"/>
               <a:t>0.05</a:t>
             </a:r>
           </a:p>
@@ -17248,10 +17153,9 @@
           <a:lstStyle/>
           <a:p>
             <a:r>
-              <a:rPr lang="en-US" smtClean="0"/>
+              <a:rPr lang="en-US"/>
               <a:t>T1</a:t>
             </a:r>
-            <a:endParaRPr lang="en-US"/>
           </a:p>
         </p:txBody>
       </p:sp>
@@ -17278,10 +17182,9 @@
           <a:lstStyle/>
           <a:p>
             <a:r>
-              <a:rPr lang="en-US" dirty="0" smtClean="0"/>
+              <a:rPr lang="en-US" dirty="0"/>
               <a:t>T2</a:t>
             </a:r>
-            <a:endParaRPr lang="en-US" dirty="0"/>
           </a:p>
         </p:txBody>
       </p:sp>
@@ -17308,10 +17211,9 @@
           <a:lstStyle/>
           <a:p>
             <a:r>
-              <a:rPr lang="en-US" dirty="0" smtClean="0"/>
+              <a:rPr lang="en-US" dirty="0"/>
               <a:t>T3</a:t>
             </a:r>
-            <a:endParaRPr lang="en-US" dirty="0"/>
           </a:p>
         </p:txBody>
       </p:sp>
@@ -17354,7 +17256,7 @@
         <p:spPr>
           <a:xfrm>
             <a:off x="3847181" y="4407584"/>
-            <a:ext cx="471599" cy="1169583"/>
+            <a:ext cx="457200" cy="1169583"/>
           </a:xfrm>
           <a:prstGeom prst="line">
             <a:avLst/>
@@ -17383,8 +17285,8 @@
         </p:nvCxnSpPr>
         <p:spPr>
           <a:xfrm>
-            <a:off x="3844594" y="4451222"/>
-            <a:ext cx="21444" cy="1170323"/>
+            <a:off x="3829846" y="4421726"/>
+            <a:ext cx="0" cy="1170323"/>
           </a:xfrm>
           <a:prstGeom prst="line">
             <a:avLst/>
@@ -17413,8 +17315,8 @@
         </p:nvCxnSpPr>
         <p:spPr>
           <a:xfrm flipH="1">
-            <a:off x="3401722" y="4454279"/>
-            <a:ext cx="437592" cy="1127633"/>
+            <a:off x="3357478" y="4424782"/>
+            <a:ext cx="457200" cy="1170432"/>
           </a:xfrm>
           <a:prstGeom prst="line">
             <a:avLst/>
@@ -17438,13 +17340,15 @@
       <p:cxnSp>
         <p:nvCxnSpPr>
           <p:cNvPr id="61" name="Straight Connector 60"/>
-          <p:cNvCxnSpPr/>
+          <p:cNvCxnSpPr>
+            <a:cxnSpLocks/>
+          </p:cNvCxnSpPr>
           <p:nvPr/>
         </p:nvCxnSpPr>
         <p:spPr>
           <a:xfrm flipH="1">
-            <a:off x="7514741" y="4404306"/>
-            <a:ext cx="448145" cy="1217239"/>
+            <a:off x="7515173" y="4404306"/>
+            <a:ext cx="447714" cy="1148833"/>
           </a:xfrm>
           <a:prstGeom prst="line">
             <a:avLst/>
@@ -17503,7 +17407,7 @@
         </p:nvCxnSpPr>
         <p:spPr>
           <a:xfrm flipH="1">
-            <a:off x="10253392" y="4408876"/>
+            <a:off x="10238644" y="4408876"/>
             <a:ext cx="449285" cy="1178701"/>
           </a:xfrm>
           <a:prstGeom prst="line">
@@ -17533,7 +17437,7 @@
         </p:nvCxnSpPr>
         <p:spPr>
           <a:xfrm flipH="1">
-            <a:off x="10695320" y="4383083"/>
+            <a:off x="10680572" y="4383083"/>
             <a:ext cx="2896" cy="1238462"/>
           </a:xfrm>
           <a:prstGeom prst="line">
@@ -17578,10 +17482,9 @@
           <a:lstStyle/>
           <a:p>
             <a:r>
-              <a:rPr lang="en-US" dirty="0" smtClean="0"/>
+              <a:rPr lang="en-US" dirty="0"/>
               <a:t>1</a:t>
             </a:r>
-            <a:endParaRPr lang="en-US" dirty="0"/>
           </a:p>
         </p:txBody>
       </p:sp>
@@ -17608,10 +17511,9 @@
           <a:lstStyle/>
           <a:p>
             <a:r>
-              <a:rPr lang="en-US" dirty="0" smtClean="0"/>
+              <a:rPr lang="en-US" dirty="0"/>
               <a:t>1</a:t>
             </a:r>
-            <a:endParaRPr lang="en-US" dirty="0"/>
           </a:p>
         </p:txBody>
       </p:sp>
@@ -17638,10 +17540,9 @@
           <a:lstStyle/>
           <a:p>
             <a:r>
-              <a:rPr lang="en-US" dirty="0" smtClean="0"/>
+              <a:rPr lang="en-US" dirty="0"/>
               <a:t>1</a:t>
             </a:r>
-            <a:endParaRPr lang="en-US" dirty="0"/>
           </a:p>
         </p:txBody>
       </p:sp>
@@ -17668,10 +17569,9 @@
           <a:lstStyle/>
           <a:p>
             <a:r>
-              <a:rPr lang="en-US" dirty="0" smtClean="0"/>
+              <a:rPr lang="en-US" dirty="0"/>
               <a:t>0</a:t>
             </a:r>
-            <a:endParaRPr lang="en-US" dirty="0"/>
           </a:p>
         </p:txBody>
       </p:sp>
@@ -17698,10 +17598,9 @@
           <a:lstStyle/>
           <a:p>
             <a:r>
-              <a:rPr lang="en-US" dirty="0" smtClean="0"/>
+              <a:rPr lang="en-US" dirty="0"/>
               <a:t>0</a:t>
             </a:r>
-            <a:endParaRPr lang="en-US" dirty="0"/>
           </a:p>
         </p:txBody>
       </p:sp>
@@ -17728,10 +17627,9 @@
           <a:lstStyle/>
           <a:p>
             <a:r>
-              <a:rPr lang="en-US" dirty="0" smtClean="0"/>
+              <a:rPr lang="en-US" dirty="0"/>
               <a:t>0</a:t>
             </a:r>
-            <a:endParaRPr lang="en-US" dirty="0"/>
           </a:p>
         </p:txBody>
       </p:sp>
@@ -17758,10 +17656,9 @@
           <a:lstStyle/>
           <a:p>
             <a:r>
-              <a:rPr lang="en-US" dirty="0" smtClean="0"/>
+              <a:rPr lang="en-US" dirty="0"/>
               <a:t>0</a:t>
             </a:r>
-            <a:endParaRPr lang="en-US" dirty="0"/>
           </a:p>
         </p:txBody>
       </p:sp>
@@ -17788,11 +17685,11 @@
           <a:lstStyle/>
           <a:p>
             <a:r>
-              <a:rPr lang="en-US" dirty="0" smtClean="0"/>
+              <a:rPr lang="en-US" dirty="0"/>
               <a:t>Cumulative: 	</a:t>
             </a:r>
             <a:r>
-              <a:rPr lang="en-US" dirty="0" smtClean="0">
+              <a:rPr lang="en-US" dirty="0">
                 <a:solidFill>
                   <a:srgbClr val="0070C0"/>
                 </a:solidFill>
@@ -17800,11 +17697,11 @@
               <a:t>0</a:t>
             </a:r>
             <a:r>
-              <a:rPr lang="en-US" dirty="0" smtClean="0"/>
+              <a:rPr lang="en-US" dirty="0"/>
               <a:t>	   </a:t>
             </a:r>
             <a:r>
-              <a:rPr lang="en-US" dirty="0" smtClean="0">
+              <a:rPr lang="en-US" dirty="0">
                 <a:solidFill>
                   <a:srgbClr val="00B0F0"/>
                 </a:solidFill>
@@ -17813,14 +17710,10 @@
             </a:r>
             <a:r>
               <a:rPr lang="en-US" dirty="0"/>
-              <a:t> </a:t>
-            </a:r>
-            <a:r>
-              <a:rPr lang="en-US" dirty="0" smtClean="0"/>
-              <a:t>        </a:t>
-            </a:r>
-            <a:r>
-              <a:rPr lang="en-US" dirty="0" smtClean="0">
+              <a:t>         </a:t>
+            </a:r>
+            <a:r>
+              <a:rPr lang="en-US" dirty="0">
                 <a:solidFill>
                   <a:schemeClr val="accent6"/>
                 </a:solidFill>
@@ -17828,11 +17721,11 @@
               <a:t>2</a:t>
             </a:r>
             <a:r>
-              <a:rPr lang="en-US" dirty="0" smtClean="0"/>
+              <a:rPr lang="en-US" dirty="0"/>
               <a:t>		</a:t>
             </a:r>
             <a:r>
-              <a:rPr lang="en-US" dirty="0" smtClean="0">
+              <a:rPr lang="en-US" dirty="0">
                 <a:solidFill>
                   <a:schemeClr val="accent4"/>
                 </a:solidFill>
@@ -17840,7 +17733,7 @@
               <a:t>              0           		</a:t>
             </a:r>
             <a:r>
-              <a:rPr lang="en-US" dirty="0" smtClean="0">
+              <a:rPr lang="en-US" dirty="0">
                 <a:solidFill>
                   <a:schemeClr val="accent2"/>
                 </a:solidFill>
@@ -17849,14 +17742,10 @@
             </a:r>
             <a:r>
               <a:rPr lang="en-US" dirty="0"/>
-              <a:t> </a:t>
-            </a:r>
-            <a:r>
-              <a:rPr lang="en-US" dirty="0" smtClean="0"/>
-              <a:t>             </a:t>
-            </a:r>
-            <a:r>
-              <a:rPr lang="en-US" dirty="0" smtClean="0">
+              <a:t>              </a:t>
+            </a:r>
+            <a:r>
+              <a:rPr lang="en-US" dirty="0">
                 <a:solidFill>
                   <a:srgbClr val="C00000"/>
                 </a:solidFill>
@@ -17864,7 +17753,7 @@
               <a:t>1	             </a:t>
             </a:r>
             <a:r>
-              <a:rPr lang="en-US" dirty="0" smtClean="0">
+              <a:rPr lang="en-US" dirty="0">
                 <a:solidFill>
                   <a:srgbClr val="F170C6"/>
                 </a:solidFill>
@@ -17978,10 +17867,9 @@
           <a:lstStyle/>
           <a:p>
             <a:r>
-              <a:rPr lang="en-US" sz="2400" b="1" dirty="0" smtClean="0"/>
+              <a:rPr lang="en-US" sz="2400" b="1" dirty="0"/>
               <a:t>Longitudinal (binary)</a:t>
             </a:r>
-            <a:endParaRPr lang="en-US" sz="2400" b="1" dirty="0"/>
           </a:p>
         </p:txBody>
       </p:sp>
@@ -18008,7 +17896,7 @@
           <a:lstStyle/>
           <a:p>
             <a:r>
-              <a:rPr lang="en-US" dirty="0" smtClean="0"/>
+              <a:rPr lang="en-US" dirty="0"/>
               <a:t>Idea: </a:t>
             </a:r>
           </a:p>
@@ -18018,15 +17906,15 @@
               <a:buChar char="•"/>
             </a:pPr>
             <a:r>
-              <a:rPr lang="en-US" dirty="0" smtClean="0"/>
+              <a:rPr lang="en-US" dirty="0"/>
               <a:t>&gt;2 time points (could also be used for 2 time points</a:t>
             </a:r>
             <a:r>
-              <a:rPr lang="mr-IN" dirty="0" smtClean="0"/>
+              <a:rPr lang="mr-IN" dirty="0"/>
               <a:t>…</a:t>
             </a:r>
             <a:r>
-              <a:rPr lang="en-US" dirty="0" smtClean="0"/>
+              <a:rPr lang="en-US" dirty="0"/>
               <a:t>) </a:t>
             </a:r>
           </a:p>
@@ -18036,14 +17924,14 @@
               <a:buChar char="•"/>
             </a:pPr>
             <a:r>
-              <a:rPr lang="en-US" dirty="0" smtClean="0"/>
+              <a:rPr lang="en-US" dirty="0"/>
               <a:t>Direction of change </a:t>
             </a:r>
             <a:r>
-              <a:rPr lang="en-US" b="1" dirty="0" smtClean="0"/>
+              <a:rPr lang="en-US" b="1" dirty="0"/>
               <a:t>does not matter</a:t>
             </a:r>
-            <a:endParaRPr lang="en-US" dirty="0" smtClean="0"/>
+            <a:endParaRPr lang="en-US" dirty="0"/>
           </a:p>
           <a:p>
             <a:pPr marL="285750" indent="-285750">
@@ -18051,14 +17939,13 @@
               <a:buChar char="•"/>
             </a:pPr>
             <a:r>
-              <a:rPr lang="mr-IN" dirty="0" smtClean="0"/>
+              <a:rPr lang="mr-IN" dirty="0"/>
               <a:t>…</a:t>
             </a:r>
             <a:r>
-              <a:rPr lang="en-US" dirty="0" smtClean="0"/>
+              <a:rPr lang="en-US" dirty="0"/>
               <a:t> as before, weight by time between observations and number of time points</a:t>
             </a:r>
-            <a:endParaRPr lang="en-US" dirty="0" smtClean="0"/>
           </a:p>
         </p:txBody>
       </p:sp>
@@ -18404,7 +18291,7 @@
           <a:lstStyle/>
           <a:p>
             <a:r>
-              <a:rPr lang="en-US" smtClean="0"/>
+              <a:rPr lang="en-US"/>
               <a:t>0.2</a:t>
             </a:r>
             <a:endParaRPr lang="en-US" dirty="0"/>
@@ -18437,10 +18324,9 @@
           <a:lstStyle/>
           <a:p>
             <a:r>
-              <a:rPr lang="en-US" dirty="0" smtClean="0"/>
+              <a:rPr lang="en-US" dirty="0"/>
               <a:t>0.35</a:t>
             </a:r>
-            <a:endParaRPr lang="en-US" dirty="0"/>
           </a:p>
         </p:txBody>
       </p:sp>
@@ -18470,10 +18356,9 @@
           <a:lstStyle/>
           <a:p>
             <a:r>
-              <a:rPr lang="en-US" dirty="0" smtClean="0"/>
+              <a:rPr lang="en-US" dirty="0"/>
               <a:t>0.35</a:t>
             </a:r>
-            <a:endParaRPr lang="en-US" dirty="0"/>
           </a:p>
         </p:txBody>
       </p:sp>
@@ -18503,7 +18388,7 @@
           <a:lstStyle/>
           <a:p>
             <a:r>
-              <a:rPr lang="en-US" smtClean="0"/>
+              <a:rPr lang="en-US"/>
               <a:t>0.25</a:t>
             </a:r>
             <a:endParaRPr lang="en-US" dirty="0"/>
@@ -18536,10 +18421,9 @@
           <a:lstStyle/>
           <a:p>
             <a:r>
-              <a:rPr lang="en-US" dirty="0" smtClean="0"/>
+              <a:rPr lang="en-US" dirty="0"/>
               <a:t>0.45</a:t>
             </a:r>
-            <a:endParaRPr lang="en-US" dirty="0"/>
           </a:p>
         </p:txBody>
       </p:sp>
@@ -18569,7 +18453,7 @@
           <a:lstStyle/>
           <a:p>
             <a:r>
-              <a:rPr lang="en-US" smtClean="0"/>
+              <a:rPr lang="en-US"/>
               <a:t>0.25</a:t>
             </a:r>
             <a:endParaRPr lang="en-US" dirty="0"/>
@@ -18602,7 +18486,7 @@
           <a:lstStyle/>
           <a:p>
             <a:r>
-              <a:rPr lang="en-US" dirty="0" smtClean="0"/>
+              <a:rPr lang="en-US" dirty="0"/>
               <a:t>0.05</a:t>
             </a:r>
           </a:p>
@@ -18680,7 +18564,7 @@
           <a:lstStyle/>
           <a:p>
             <a:r>
-              <a:rPr lang="en-US" smtClean="0"/>
+              <a:rPr lang="en-US"/>
               <a:t>0.1</a:t>
             </a:r>
           </a:p>
@@ -18859,10 +18743,9 @@
           <a:lstStyle/>
           <a:p>
             <a:r>
-              <a:rPr lang="en-US" dirty="0" smtClean="0"/>
+              <a:rPr lang="en-US" dirty="0"/>
               <a:t>0</a:t>
             </a:r>
-            <a:endParaRPr lang="en-US" dirty="0"/>
           </a:p>
         </p:txBody>
       </p:sp>
@@ -18919,10 +18802,9 @@
           <a:lstStyle/>
           <a:p>
             <a:r>
-              <a:rPr lang="en-US" dirty="0" smtClean="0"/>
+              <a:rPr lang="en-US" dirty="0"/>
               <a:t>1</a:t>
             </a:r>
-            <a:endParaRPr lang="en-US" dirty="0"/>
           </a:p>
         </p:txBody>
       </p:sp>
@@ -18949,10 +18831,9 @@
           <a:lstStyle/>
           <a:p>
             <a:r>
-              <a:rPr lang="en-US" dirty="0" smtClean="0"/>
+              <a:rPr lang="en-US" dirty="0"/>
               <a:t>0</a:t>
             </a:r>
-            <a:endParaRPr lang="en-US" dirty="0"/>
           </a:p>
         </p:txBody>
       </p:sp>
@@ -18979,10 +18860,9 @@
           <a:lstStyle/>
           <a:p>
             <a:r>
-              <a:rPr lang="en-US" dirty="0" smtClean="0"/>
+              <a:rPr lang="en-US" dirty="0"/>
               <a:t>1</a:t>
             </a:r>
-            <a:endParaRPr lang="en-US" dirty="0"/>
           </a:p>
         </p:txBody>
       </p:sp>
@@ -19009,10 +18889,9 @@
           <a:lstStyle/>
           <a:p>
             <a:r>
-              <a:rPr lang="en-US" dirty="0" smtClean="0"/>
+              <a:rPr lang="en-US" dirty="0"/>
               <a:t>0</a:t>
             </a:r>
-            <a:endParaRPr lang="en-US" dirty="0"/>
           </a:p>
         </p:txBody>
       </p:sp>
@@ -19223,10 +19102,9 @@
           <a:lstStyle/>
           <a:p>
             <a:r>
-              <a:rPr lang="en-US" dirty="0" smtClean="0"/>
+              <a:rPr lang="en-US" dirty="0"/>
               <a:t>0.2</a:t>
             </a:r>
-            <a:endParaRPr lang="en-US" dirty="0"/>
           </a:p>
         </p:txBody>
       </p:sp>
@@ -19256,10 +19134,9 @@
           <a:lstStyle/>
           <a:p>
             <a:r>
-              <a:rPr lang="en-US" dirty="0" smtClean="0"/>
+              <a:rPr lang="en-US" dirty="0"/>
               <a:t>0.35</a:t>
             </a:r>
-            <a:endParaRPr lang="en-US" dirty="0"/>
           </a:p>
         </p:txBody>
       </p:sp>
@@ -19289,7 +19166,7 @@
           <a:lstStyle/>
           <a:p>
             <a:r>
-              <a:rPr lang="en-US" dirty="0" smtClean="0"/>
+              <a:rPr lang="en-US" dirty="0"/>
               <a:t>0.2</a:t>
             </a:r>
           </a:p>
@@ -19321,10 +19198,10 @@
           <a:lstStyle/>
           <a:p>
             <a:r>
-              <a:rPr lang="en-US" smtClean="0"/>
+              <a:rPr lang="en-US"/>
               <a:t>0.1</a:t>
             </a:r>
-            <a:endParaRPr lang="en-US" dirty="0" smtClean="0"/>
+            <a:endParaRPr lang="en-US" dirty="0"/>
           </a:p>
         </p:txBody>
       </p:sp>
@@ -19400,7 +19277,7 @@
           <a:lstStyle/>
           <a:p>
             <a:r>
-              <a:rPr lang="en-US" dirty="0" smtClean="0"/>
+              <a:rPr lang="en-US" dirty="0"/>
               <a:t>0.05</a:t>
             </a:r>
           </a:p>
@@ -19432,7 +19309,7 @@
           <a:lstStyle/>
           <a:p>
             <a:r>
-              <a:rPr lang="en-US" dirty="0" smtClean="0"/>
+              <a:rPr lang="en-US" dirty="0"/>
               <a:t>0.05</a:t>
             </a:r>
           </a:p>
@@ -19510,7 +19387,7 @@
           <a:lstStyle/>
           <a:p>
             <a:r>
-              <a:rPr lang="en-US" dirty="0" smtClean="0"/>
+              <a:rPr lang="en-US" dirty="0"/>
               <a:t>0.05</a:t>
             </a:r>
           </a:p>
@@ -19539,10 +19416,9 @@
           <a:lstStyle/>
           <a:p>
             <a:r>
-              <a:rPr lang="en-US" smtClean="0"/>
+              <a:rPr lang="en-US"/>
               <a:t>T1</a:t>
             </a:r>
-            <a:endParaRPr lang="en-US"/>
           </a:p>
         </p:txBody>
       </p:sp>
@@ -19569,10 +19445,9 @@
           <a:lstStyle/>
           <a:p>
             <a:r>
-              <a:rPr lang="en-US" dirty="0" smtClean="0"/>
+              <a:rPr lang="en-US" dirty="0"/>
               <a:t>T2</a:t>
             </a:r>
-            <a:endParaRPr lang="en-US" dirty="0"/>
           </a:p>
         </p:txBody>
       </p:sp>
@@ -19599,10 +19474,9 @@
           <a:lstStyle/>
           <a:p>
             <a:r>
-              <a:rPr lang="en-US" dirty="0" smtClean="0"/>
+              <a:rPr lang="en-US" dirty="0"/>
               <a:t>T3</a:t>
             </a:r>
-            <a:endParaRPr lang="en-US" dirty="0"/>
           </a:p>
         </p:txBody>
       </p:sp>
@@ -19869,10 +19743,9 @@
           <a:lstStyle/>
           <a:p>
             <a:r>
-              <a:rPr lang="en-US" dirty="0" smtClean="0"/>
+              <a:rPr lang="en-US" dirty="0"/>
               <a:t>1</a:t>
             </a:r>
-            <a:endParaRPr lang="en-US" dirty="0"/>
           </a:p>
         </p:txBody>
       </p:sp>
@@ -19899,10 +19772,9 @@
           <a:lstStyle/>
           <a:p>
             <a:r>
-              <a:rPr lang="en-US" dirty="0" smtClean="0"/>
+              <a:rPr lang="en-US" dirty="0"/>
               <a:t>1</a:t>
             </a:r>
-            <a:endParaRPr lang="en-US" dirty="0"/>
           </a:p>
         </p:txBody>
       </p:sp>
@@ -19929,10 +19801,9 @@
           <a:lstStyle/>
           <a:p>
             <a:r>
-              <a:rPr lang="en-US" dirty="0" smtClean="0"/>
+              <a:rPr lang="en-US" dirty="0"/>
               <a:t>1</a:t>
             </a:r>
-            <a:endParaRPr lang="en-US" dirty="0"/>
           </a:p>
         </p:txBody>
       </p:sp>
@@ -19959,10 +19830,9 @@
           <a:lstStyle/>
           <a:p>
             <a:r>
-              <a:rPr lang="en-US" dirty="0" smtClean="0"/>
+              <a:rPr lang="en-US" dirty="0"/>
               <a:t>0</a:t>
             </a:r>
-            <a:endParaRPr lang="en-US" dirty="0"/>
           </a:p>
         </p:txBody>
       </p:sp>
@@ -19989,10 +19859,9 @@
           <a:lstStyle/>
           <a:p>
             <a:r>
-              <a:rPr lang="en-US" dirty="0" smtClean="0"/>
+              <a:rPr lang="en-US" dirty="0"/>
               <a:t>0</a:t>
             </a:r>
-            <a:endParaRPr lang="en-US" dirty="0"/>
           </a:p>
         </p:txBody>
       </p:sp>
@@ -20019,10 +19888,9 @@
           <a:lstStyle/>
           <a:p>
             <a:r>
-              <a:rPr lang="en-US" dirty="0" smtClean="0"/>
+              <a:rPr lang="en-US" dirty="0"/>
               <a:t>0</a:t>
             </a:r>
-            <a:endParaRPr lang="en-US" dirty="0"/>
           </a:p>
         </p:txBody>
       </p:sp>
@@ -20049,10 +19917,9 @@
           <a:lstStyle/>
           <a:p>
             <a:r>
-              <a:rPr lang="en-US" dirty="0" smtClean="0"/>
+              <a:rPr lang="en-US" dirty="0"/>
               <a:t>0</a:t>
             </a:r>
-            <a:endParaRPr lang="en-US" dirty="0"/>
           </a:p>
         </p:txBody>
       </p:sp>
@@ -20079,7 +19946,7 @@
           <a:lstStyle/>
           <a:p>
             <a:r>
-              <a:rPr lang="en-US" dirty="0" smtClean="0"/>
+              <a:rPr lang="en-US" dirty="0"/>
               <a:t>Cumulative:</a:t>
             </a:r>
             <a:endParaRPr lang="en-US" dirty="0">
@@ -20113,10 +19980,9 @@
           <a:lstStyle/>
           <a:p>
             <a:r>
-              <a:rPr lang="en-US" smtClean="0"/>
+              <a:rPr lang="en-US"/>
               <a:t>Day 0</a:t>
             </a:r>
-            <a:endParaRPr lang="en-US"/>
           </a:p>
         </p:txBody>
       </p:sp>
@@ -20143,10 +20009,9 @@
           <a:lstStyle/>
           <a:p>
             <a:r>
-              <a:rPr lang="en-US" smtClean="0"/>
+              <a:rPr lang="en-US"/>
               <a:t>Day 4</a:t>
             </a:r>
-            <a:endParaRPr lang="en-US"/>
           </a:p>
         </p:txBody>
       </p:sp>
@@ -20173,15 +20038,14 @@
           <a:lstStyle/>
           <a:p>
             <a:r>
-              <a:rPr lang="en-US" dirty="0" smtClean="0"/>
+              <a:rPr lang="en-US" dirty="0"/>
               <a:t>Day 10</a:t>
             </a:r>
-            <a:endParaRPr lang="en-US" dirty="0"/>
-          </a:p>
-        </p:txBody>
-      </p:sp>
-      <mc:AlternateContent xmlns:mc="http://schemas.openxmlformats.org/markup-compatibility/2006">
-        <mc:Choice xmlns:a14="http://schemas.microsoft.com/office/drawing/2010/main" Requires="a14">
+          </a:p>
+        </p:txBody>
+      </p:sp>
+      <mc:AlternateContent xmlns:mc="http://schemas.openxmlformats.org/markup-compatibility/2006" xmlns:a14="http://schemas.microsoft.com/office/drawing/2010/main">
+        <mc:Choice Requires="a14">
           <p:sp>
             <p:nvSpPr>
               <p:cNvPr id="81" name="TextBox 80"/>
@@ -20204,6 +20068,7 @@
               </a:bodyPr>
               <a:lstStyle/>
               <a:p>
+                <a:pPr/>
                 <a14:m>
                   <m:oMathPara xmlns:m="http://schemas.openxmlformats.org/officeDocument/2006/math">
                     <m:oMathParaPr>
@@ -20217,7 +20082,7 @@
                               <a:solidFill>
                                 <a:schemeClr val="accent6"/>
                               </a:solidFill>
-                              <a:latin typeface="Cambria Math" charset="0"/>
+                              <a:latin typeface="Cambria Math" panose="02040503050406030204" pitchFamily="18" charset="0"/>
                             </a:rPr>
                           </m:ctrlPr>
                         </m:dPr>
@@ -20229,7 +20094,7 @@
                                   <a:solidFill>
                                     <a:schemeClr val="accent6"/>
                                   </a:solidFill>
-                                  <a:latin typeface="Cambria Math" charset="0"/>
+                                  <a:latin typeface="Cambria Math" panose="02040503050406030204" pitchFamily="18" charset="0"/>
                                 </a:rPr>
                               </m:ctrlPr>
                             </m:fPr>
@@ -20272,7 +20137,7 @@
                                   <a:solidFill>
                                     <a:schemeClr val="accent6"/>
                                   </a:solidFill>
-                                  <a:latin typeface="Cambria Math" charset="0"/>
+                                  <a:latin typeface="Cambria Math" panose="02040503050406030204" pitchFamily="18" charset="0"/>
                                 </a:rPr>
                               </m:ctrlPr>
                             </m:fPr>
@@ -20322,7 +20187,7 @@
             </p:txBody>
           </p:sp>
         </mc:Choice>
-        <mc:Fallback>
+        <mc:Fallback xmlns="">
           <p:sp>
             <p:nvSpPr>
               <p:cNvPr id="81" name="TextBox 80"/>
@@ -20361,8 +20226,8 @@
           </p:sp>
         </mc:Fallback>
       </mc:AlternateContent>
-      <mc:AlternateContent xmlns:mc="http://schemas.openxmlformats.org/markup-compatibility/2006">
-        <mc:Choice xmlns:a14="http://schemas.microsoft.com/office/drawing/2010/main" Requires="a14">
+      <mc:AlternateContent xmlns:mc="http://schemas.openxmlformats.org/markup-compatibility/2006" xmlns:a14="http://schemas.microsoft.com/office/drawing/2010/main">
+        <mc:Choice Requires="a14">
           <p:sp>
             <p:nvSpPr>
               <p:cNvPr id="82" name="TextBox 81"/>
@@ -20385,6 +20250,7 @@
               </a:bodyPr>
               <a:lstStyle/>
               <a:p>
+                <a:pPr/>
                 <a14:m>
                   <m:oMathPara xmlns:m="http://schemas.openxmlformats.org/officeDocument/2006/math">
                     <m:oMathParaPr>
@@ -20412,7 +20278,7 @@
             </p:txBody>
           </p:sp>
         </mc:Choice>
-        <mc:Fallback>
+        <mc:Fallback xmlns="">
           <p:sp>
             <p:nvSpPr>
               <p:cNvPr id="82" name="TextBox 81"/>
@@ -20451,8 +20317,8 @@
           </p:sp>
         </mc:Fallback>
       </mc:AlternateContent>
-      <mc:AlternateContent xmlns:mc="http://schemas.openxmlformats.org/markup-compatibility/2006">
-        <mc:Choice xmlns:a14="http://schemas.microsoft.com/office/drawing/2010/main" Requires="a14">
+      <mc:AlternateContent xmlns:mc="http://schemas.openxmlformats.org/markup-compatibility/2006" xmlns:a14="http://schemas.microsoft.com/office/drawing/2010/main">
+        <mc:Choice Requires="a14">
           <p:sp>
             <p:nvSpPr>
               <p:cNvPr id="83" name="TextBox 82"/>
@@ -20475,6 +20341,7 @@
               </a:bodyPr>
               <a:lstStyle/>
               <a:p>
+                <a:pPr/>
                 <a14:m>
                   <m:oMathPara xmlns:m="http://schemas.openxmlformats.org/officeDocument/2006/math">
                     <m:oMathParaPr>
@@ -20502,7 +20369,7 @@
             </p:txBody>
           </p:sp>
         </mc:Choice>
-        <mc:Fallback>
+        <mc:Fallback xmlns="">
           <p:sp>
             <p:nvSpPr>
               <p:cNvPr id="83" name="TextBox 82"/>
@@ -20541,8 +20408,8 @@
           </p:sp>
         </mc:Fallback>
       </mc:AlternateContent>
-      <mc:AlternateContent xmlns:mc="http://schemas.openxmlformats.org/markup-compatibility/2006">
-        <mc:Choice xmlns:a14="http://schemas.microsoft.com/office/drawing/2010/main" Requires="a14">
+      <mc:AlternateContent xmlns:mc="http://schemas.openxmlformats.org/markup-compatibility/2006" xmlns:a14="http://schemas.microsoft.com/office/drawing/2010/main">
+        <mc:Choice Requires="a14">
           <p:sp>
             <p:nvSpPr>
               <p:cNvPr id="84" name="TextBox 83"/>
@@ -20565,6 +20432,7 @@
               </a:bodyPr>
               <a:lstStyle/>
               <a:p>
+                <a:pPr/>
                 <a14:m>
                   <m:oMathPara xmlns:m="http://schemas.openxmlformats.org/officeDocument/2006/math">
                     <m:oMathParaPr>
@@ -20578,7 +20446,7 @@
                               <a:solidFill>
                                 <a:srgbClr val="C00000"/>
                               </a:solidFill>
-                              <a:latin typeface="Cambria Math" charset="0"/>
+                              <a:latin typeface="Cambria Math" panose="02040503050406030204" pitchFamily="18" charset="0"/>
                             </a:rPr>
                           </m:ctrlPr>
                         </m:dPr>
@@ -20590,7 +20458,7 @@
                                   <a:solidFill>
                                     <a:srgbClr val="C00000"/>
                                   </a:solidFill>
-                                  <a:latin typeface="Cambria Math" charset="0"/>
+                                  <a:latin typeface="Cambria Math" panose="02040503050406030204" pitchFamily="18" charset="0"/>
                                 </a:rPr>
                               </m:ctrlPr>
                             </m:fPr>
@@ -20633,7 +20501,7 @@
                                   <a:solidFill>
                                     <a:srgbClr val="C00000"/>
                                   </a:solidFill>
-                                  <a:latin typeface="Cambria Math" charset="0"/>
+                                  <a:latin typeface="Cambria Math" panose="02040503050406030204" pitchFamily="18" charset="0"/>
                                 </a:rPr>
                               </m:ctrlPr>
                             </m:fPr>
@@ -20683,7 +20551,7 @@
             </p:txBody>
           </p:sp>
         </mc:Choice>
-        <mc:Fallback>
+        <mc:Fallback xmlns="">
           <p:sp>
             <p:nvSpPr>
               <p:cNvPr id="84" name="TextBox 83"/>
@@ -20722,8 +20590,8 @@
           </p:sp>
         </mc:Fallback>
       </mc:AlternateContent>
-      <mc:AlternateContent xmlns:mc="http://schemas.openxmlformats.org/markup-compatibility/2006">
-        <mc:Choice xmlns:a14="http://schemas.microsoft.com/office/drawing/2010/main" Requires="a14">
+      <mc:AlternateContent xmlns:mc="http://schemas.openxmlformats.org/markup-compatibility/2006" xmlns:a14="http://schemas.microsoft.com/office/drawing/2010/main">
+        <mc:Choice Requires="a14">
           <p:sp>
             <p:nvSpPr>
               <p:cNvPr id="85" name="TextBox 84"/>
@@ -20746,6 +20614,7 @@
               </a:bodyPr>
               <a:lstStyle/>
               <a:p>
+                <a:pPr/>
                 <a14:m>
                   <m:oMathPara xmlns:m="http://schemas.openxmlformats.org/officeDocument/2006/math">
                     <m:oMathParaPr>
@@ -20759,7 +20628,7 @@
                               <a:solidFill>
                                 <a:srgbClr val="00B0F0"/>
                               </a:solidFill>
-                              <a:latin typeface="Cambria Math" charset="0"/>
+                              <a:latin typeface="Cambria Math" panose="02040503050406030204" pitchFamily="18" charset="0"/>
                             </a:rPr>
                           </m:ctrlPr>
                         </m:dPr>
@@ -20771,7 +20640,7 @@
                                   <a:solidFill>
                                     <a:srgbClr val="00B0F0"/>
                                   </a:solidFill>
-                                  <a:latin typeface="Cambria Math" charset="0"/>
+                                  <a:latin typeface="Cambria Math" panose="02040503050406030204" pitchFamily="18" charset="0"/>
                                 </a:rPr>
                               </m:ctrlPr>
                             </m:fPr>
@@ -20814,7 +20683,7 @@
                                   <a:solidFill>
                                     <a:srgbClr val="00B0F0"/>
                                   </a:solidFill>
-                                  <a:latin typeface="Cambria Math" charset="0"/>
+                                  <a:latin typeface="Cambria Math" panose="02040503050406030204" pitchFamily="18" charset="0"/>
                                 </a:rPr>
                               </m:ctrlPr>
                             </m:fPr>
@@ -20864,7 +20733,7 @@
             </p:txBody>
           </p:sp>
         </mc:Choice>
-        <mc:Fallback>
+        <mc:Fallback xmlns="">
           <p:sp>
             <p:nvSpPr>
               <p:cNvPr id="85" name="TextBox 84"/>
@@ -20903,8 +20772,8 @@
           </p:sp>
         </mc:Fallback>
       </mc:AlternateContent>
-      <mc:AlternateContent xmlns:mc="http://schemas.openxmlformats.org/markup-compatibility/2006">
-        <mc:Choice xmlns:a14="http://schemas.microsoft.com/office/drawing/2010/main" Requires="a14">
+      <mc:AlternateContent xmlns:mc="http://schemas.openxmlformats.org/markup-compatibility/2006" xmlns:a14="http://schemas.microsoft.com/office/drawing/2010/main">
+        <mc:Choice Requires="a14">
           <p:sp>
             <p:nvSpPr>
               <p:cNvPr id="87" name="TextBox 86"/>
@@ -20927,6 +20796,7 @@
               </a:bodyPr>
               <a:lstStyle/>
               <a:p>
+                <a:pPr/>
                 <a14:m>
                   <m:oMathPara xmlns:m="http://schemas.openxmlformats.org/officeDocument/2006/math">
                     <m:oMathParaPr>
@@ -20954,7 +20824,7 @@
             </p:txBody>
           </p:sp>
         </mc:Choice>
-        <mc:Fallback>
+        <mc:Fallback xmlns="">
           <p:sp>
             <p:nvSpPr>
               <p:cNvPr id="87" name="TextBox 86"/>
@@ -20993,8 +20863,8 @@
           </p:sp>
         </mc:Fallback>
       </mc:AlternateContent>
-      <mc:AlternateContent xmlns:mc="http://schemas.openxmlformats.org/markup-compatibility/2006">
-        <mc:Choice xmlns:a14="http://schemas.microsoft.com/office/drawing/2010/main" Requires="a14">
+      <mc:AlternateContent xmlns:mc="http://schemas.openxmlformats.org/markup-compatibility/2006" xmlns:a14="http://schemas.microsoft.com/office/drawing/2010/main">
+        <mc:Choice Requires="a14">
           <p:sp>
             <p:nvSpPr>
               <p:cNvPr id="88" name="TextBox 87"/>
@@ -21017,6 +20887,7 @@
               </a:bodyPr>
               <a:lstStyle/>
               <a:p>
+                <a:pPr/>
                 <a14:m>
                   <m:oMathPara xmlns:m="http://schemas.openxmlformats.org/officeDocument/2006/math">
                     <m:oMathParaPr>
@@ -21030,7 +20901,7 @@
                               <a:solidFill>
                                 <a:srgbClr val="F170C6"/>
                               </a:solidFill>
-                              <a:latin typeface="Cambria Math" charset="0"/>
+                              <a:latin typeface="Cambria Math" panose="02040503050406030204" pitchFamily="18" charset="0"/>
                             </a:rPr>
                           </m:ctrlPr>
                         </m:dPr>
@@ -21042,7 +20913,7 @@
                                   <a:solidFill>
                                     <a:srgbClr val="F170C6"/>
                                   </a:solidFill>
-                                  <a:latin typeface="Cambria Math" charset="0"/>
+                                  <a:latin typeface="Cambria Math" panose="02040503050406030204" pitchFamily="18" charset="0"/>
                                 </a:rPr>
                               </m:ctrlPr>
                             </m:fPr>
@@ -21085,7 +20956,7 @@
                                   <a:solidFill>
                                     <a:srgbClr val="F170C6"/>
                                   </a:solidFill>
-                                  <a:latin typeface="Cambria Math" charset="0"/>
+                                  <a:latin typeface="Cambria Math" panose="02040503050406030204" pitchFamily="18" charset="0"/>
                                 </a:rPr>
                               </m:ctrlPr>
                             </m:fPr>
@@ -21135,7 +21006,7 @@
             </p:txBody>
           </p:sp>
         </mc:Choice>
-        <mc:Fallback>
+        <mc:Fallback xmlns="">
           <p:sp>
             <p:nvSpPr>
               <p:cNvPr id="88" name="TextBox 87"/>
